--- a/转正答辩.pptx
+++ b/转正答辩.pptx
@@ -232,7 +232,7 @@
           <a:p>
             <a:fld id="{7AB1A718-2EF3-4FEF-9652-7CA90B1F98E5}" type="datetimeFigureOut">
               <a:rPr lang="zh-CN" altLang="en-US" smtClean="0"/>
-              <a:t>2026/1/18</a:t>
+              <a:t>2026/1/19</a:t>
             </a:fld>
             <a:endParaRPr lang="zh-CN" altLang="en-US"/>
           </a:p>
@@ -651,7 +651,7 @@
           </a:ln>
           <a:extLst>
             <a:ext uri="{91240B29-F687-4f45-9708-019B960494DF}">
-              <a14:hiddenLine xmlns="" xmlns:a14="http://schemas.microsoft.com/office/drawing/2010/main" w="9525">
+              <a14:hiddenLine xmlns:a14="http://schemas.microsoft.com/office/drawing/2010/main" xmlns="" w="9525">
                 <a:solidFill>
                   <a:srgbClr val="000000"/>
                 </a:solidFill>
@@ -775,7 +775,7 @@
           </a:ln>
           <a:extLst>
             <a:ext uri="{91240B29-F687-4f45-9708-019B960494DF}">
-              <a14:hiddenLine xmlns="" xmlns:a14="http://schemas.microsoft.com/office/drawing/2010/main" w="9525">
+              <a14:hiddenLine xmlns:a14="http://schemas.microsoft.com/office/drawing/2010/main" xmlns="" w="9525">
                 <a:solidFill>
                   <a:srgbClr val="000000"/>
                 </a:solidFill>
@@ -997,7 +997,7 @@
           <p:cNvPr id="24" name="矩形 23">
             <a:extLst>
               <a:ext uri="{FF2B5EF4-FFF2-40B4-BE49-F238E27FC236}">
-                <a16:creationId xmlns:a16="http://schemas.microsoft.com/office/drawing/2014/main" id="{6286DD0E-0F20-4F4E-8533-FFE05262B0DD}"/>
+                <a16:creationId xmlns:a16="http://schemas.microsoft.com/office/drawing/2014/main" xmlns="" id="{6286DD0E-0F20-4F4E-8533-FFE05262B0DD}"/>
               </a:ext>
             </a:extLst>
           </p:cNvPr>
@@ -1056,7 +1056,7 @@
           <p:cNvPr id="7" name="图片 6">
             <a:extLst>
               <a:ext uri="{FF2B5EF4-FFF2-40B4-BE49-F238E27FC236}">
-                <a16:creationId xmlns:a16="http://schemas.microsoft.com/office/drawing/2014/main" id="{8971FE5F-7AB6-45F2-A091-D2F0246940EE}"/>
+                <a16:creationId xmlns:a16="http://schemas.microsoft.com/office/drawing/2014/main" xmlns="" id="{8971FE5F-7AB6-45F2-A091-D2F0246940EE}"/>
               </a:ext>
             </a:extLst>
           </p:cNvPr>
@@ -1188,7 +1188,7 @@
           </a:ln>
           <a:extLst>
             <a:ext uri="{91240B29-F687-4f45-9708-019B960494DF}">
-              <a14:hiddenLine xmlns="" xmlns:a14="http://schemas.microsoft.com/office/drawing/2010/main" w="9525">
+              <a14:hiddenLine xmlns:a14="http://schemas.microsoft.com/office/drawing/2010/main" xmlns="" w="9525">
                 <a:solidFill>
                   <a:srgbClr val="000000"/>
                 </a:solidFill>
@@ -1328,7 +1328,7 @@
                   <a:spcPct val="0"/>
                 </a:spcAft>
               </a:pPr>
-              <a:t>2026/1/18</a:t>
+              <a:t>2026/1/19</a:t>
             </a:fld>
             <a:endParaRPr lang="zh-CN" altLang="en-US">
               <a:solidFill>
@@ -2854,7 +2854,7 @@
         <p:cNvPr id="1" name="">
           <a:extLst>
             <a:ext uri="{FF2B5EF4-FFF2-40B4-BE49-F238E27FC236}">
-              <a16:creationId xmlns:a16="http://schemas.microsoft.com/office/drawing/2014/main" id="{441C1419-120D-DC1F-C21A-56303716ED90}"/>
+              <a16:creationId xmlns:a16="http://schemas.microsoft.com/office/drawing/2014/main" xmlns="" id="{441C1419-120D-DC1F-C21A-56303716ED90}"/>
             </a:ext>
           </a:extLst>
         </p:cNvPr>
@@ -2874,7 +2874,7 @@
           <p:cNvPr id="8" name="标题 1">
             <a:extLst>
               <a:ext uri="{FF2B5EF4-FFF2-40B4-BE49-F238E27FC236}">
-                <a16:creationId xmlns:a16="http://schemas.microsoft.com/office/drawing/2014/main" id="{BF62F1C8-BD5E-AB89-0E19-C79DD8E1455D}"/>
+                <a16:creationId xmlns:a16="http://schemas.microsoft.com/office/drawing/2014/main" xmlns="" id="{BF62F1C8-BD5E-AB89-0E19-C79DD8E1455D}"/>
               </a:ext>
             </a:extLst>
           </p:cNvPr>
@@ -2936,7 +2936,7 @@
               <a:defRPr/>
             </a:pPr>
             <a:r>
-              <a:rPr kumimoji="0" lang="en-US" altLang="zh-CN" sz="2400" b="1" i="0" u="none" strike="noStrike" kern="1200" cap="none" spc="0" normalizeH="0" baseline="0" noProof="0" dirty="0">
+              <a:rPr kumimoji="0" lang="zh-CN" altLang="en-US" sz="2400" b="1" i="0" u="none" strike="noStrike" kern="1200" cap="none" spc="0" normalizeH="0" baseline="0" noProof="0" dirty="0" smtClean="0">
                 <a:ln>
                   <a:noFill/>
                 </a:ln>
@@ -2950,7 +2950,7 @@
                 <a:ea typeface="微软雅黑"/>
                 <a:cs typeface="+mj-cs"/>
               </a:rPr>
-              <a:t>2</a:t>
+              <a:t>工作</a:t>
             </a:r>
             <a:r>
               <a:rPr kumimoji="0" lang="zh-CN" altLang="en-US" sz="2400" b="1" i="0" u="none" strike="noStrike" kern="1200" cap="none" spc="0" normalizeH="0" baseline="0" noProof="0" dirty="0">
@@ -2967,7 +2967,7 @@
                 <a:ea typeface="微软雅黑"/>
                 <a:cs typeface="+mj-cs"/>
               </a:rPr>
-              <a:t>、工作内容 </a:t>
+              <a:t>内容 </a:t>
             </a:r>
             <a:r>
               <a:rPr kumimoji="0" lang="en-US" altLang="zh-CN" sz="2400" b="1" i="0" u="none" strike="noStrike" kern="1200" cap="none" spc="0" normalizeH="0" baseline="0" noProof="0" dirty="0">
@@ -3001,7 +3001,24 @@
                 <a:ea typeface="微软雅黑"/>
                 <a:cs typeface="+mj-cs"/>
               </a:rPr>
-              <a:t>东湖一号项目</a:t>
+              <a:t>东湖一</a:t>
+            </a:r>
+            <a:r>
+              <a:rPr kumimoji="0" lang="zh-CN" altLang="en-US" sz="2400" b="1" i="0" u="none" strike="noStrike" kern="1200" cap="none" spc="0" normalizeH="0" baseline="0" noProof="0" dirty="0" smtClean="0">
+                <a:ln>
+                  <a:noFill/>
+                </a:ln>
+                <a:solidFill>
+                  <a:prstClr val="black"/>
+                </a:solidFill>
+                <a:effectLst/>
+                <a:uLnTx/>
+                <a:uFillTx/>
+                <a:latin typeface="微软雅黑"/>
+                <a:ea typeface="微软雅黑"/>
+                <a:cs typeface="+mj-cs"/>
+              </a:rPr>
+              <a:t>号逻辑其他功能调试</a:t>
             </a:r>
             <a:endParaRPr kumimoji="0" lang="zh-CN" altLang="en-US" sz="2400" b="0" i="0" u="none" strike="noStrike" kern="1200" cap="none" spc="0" normalizeH="0" baseline="0" noProof="0" dirty="0">
               <a:ln>
@@ -3020,125 +3037,12 @@
           </a:p>
         </p:txBody>
       </p:sp>
-      <p:sp>
-        <p:nvSpPr>
-          <p:cNvPr id="11" name="文本框 10">
-            <a:extLst>
-              <a:ext uri="{FF2B5EF4-FFF2-40B4-BE49-F238E27FC236}">
-                <a16:creationId xmlns:a16="http://schemas.microsoft.com/office/drawing/2014/main" id="{0E7C3738-BD89-40E8-2A8C-16A7EDB3B9A4}"/>
-              </a:ext>
-            </a:extLst>
-          </p:cNvPr>
-          <p:cNvSpPr txBox="1"/>
-          <p:nvPr/>
-        </p:nvSpPr>
-        <p:spPr>
-          <a:xfrm>
-            <a:off x="478935" y="1101199"/>
-            <a:ext cx="10215418" cy="369332"/>
-          </a:xfrm>
-          <a:prstGeom prst="rect">
-            <a:avLst/>
-          </a:prstGeom>
-          <a:noFill/>
-        </p:spPr>
-        <p:txBody>
-          <a:bodyPr wrap="square" rtlCol="0">
-            <a:spAutoFit/>
-          </a:bodyPr>
-          <a:lstStyle/>
-          <a:p>
-            <a:pPr marL="285750" marR="0" lvl="0" indent="-285750" algn="l" defTabSz="914400" rtl="0" eaLnBrk="1" fontAlgn="auto" latinLnBrk="0" hangingPunct="1">
-              <a:lnSpc>
-                <a:spcPct val="100000"/>
-              </a:lnSpc>
-              <a:spcBef>
-                <a:spcPts val="0"/>
-              </a:spcBef>
-              <a:spcAft>
-                <a:spcPts val="0"/>
-              </a:spcAft>
-              <a:buClrTx/>
-              <a:buSzTx/>
-              <a:buFont typeface="Wingdings" panose="05000000000000000000" pitchFamily="2" charset="2"/>
-              <a:buChar char="n"/>
-              <a:tabLst/>
-              <a:defRPr/>
-            </a:pPr>
-            <a:r>
-              <a:rPr kumimoji="0" lang="zh-CN" altLang="en-US" sz="1800" b="1" i="0" u="none" strike="noStrike" kern="1200" cap="none" spc="0" normalizeH="0" baseline="0" noProof="0" dirty="0">
-                <a:ln>
-                  <a:noFill/>
-                </a:ln>
-                <a:solidFill>
-                  <a:prstClr val="black"/>
-                </a:solidFill>
-                <a:effectLst/>
-                <a:uLnTx/>
-                <a:uFillTx/>
-                <a:latin typeface="微软雅黑" panose="020B0503020204020204" pitchFamily="34" charset="-122"/>
-                <a:ea typeface="微软雅黑" panose="020B0503020204020204" pitchFamily="34" charset="-122"/>
-                <a:cs typeface="+mn-cs"/>
-              </a:rPr>
-              <a:t>复位</a:t>
-            </a:r>
-            <a:r>
-              <a:rPr kumimoji="0" lang="en-US" altLang="zh-CN" sz="1800" b="1" i="0" u="none" strike="noStrike" kern="1200" cap="none" spc="0" normalizeH="0" baseline="0" noProof="0" dirty="0">
-                <a:ln>
-                  <a:noFill/>
-                </a:ln>
-                <a:solidFill>
-                  <a:prstClr val="black"/>
-                </a:solidFill>
-                <a:effectLst/>
-                <a:uLnTx/>
-                <a:uFillTx/>
-                <a:latin typeface="微软雅黑" panose="020B0503020204020204" pitchFamily="34" charset="-122"/>
-                <a:ea typeface="微软雅黑" panose="020B0503020204020204" pitchFamily="34" charset="-122"/>
-                <a:cs typeface="+mn-cs"/>
-              </a:rPr>
-              <a:t>/CPU</a:t>
-            </a:r>
-            <a:r>
-              <a:rPr kumimoji="0" lang="zh-CN" altLang="en-US" sz="1800" b="1" i="0" u="none" strike="noStrike" kern="1200" cap="none" spc="0" normalizeH="0" baseline="0" noProof="0" dirty="0">
-                <a:ln>
-                  <a:noFill/>
-                </a:ln>
-                <a:solidFill>
-                  <a:prstClr val="black"/>
-                </a:solidFill>
-                <a:effectLst/>
-                <a:uLnTx/>
-                <a:uFillTx/>
-                <a:latin typeface="微软雅黑" panose="020B0503020204020204" pitchFamily="34" charset="-122"/>
-                <a:ea typeface="微软雅黑" panose="020B0503020204020204" pitchFamily="34" charset="-122"/>
-                <a:cs typeface="+mn-cs"/>
-              </a:rPr>
-              <a:t>管控</a:t>
-            </a:r>
-            <a:endParaRPr kumimoji="0" lang="en-US" altLang="zh-CN" sz="1800" b="0" i="0" u="none" strike="noStrike" kern="1200" cap="none" spc="0" normalizeH="0" baseline="0" noProof="0" dirty="0">
-              <a:ln>
-                <a:noFill/>
-              </a:ln>
-              <a:solidFill>
-                <a:prstClr val="black"/>
-              </a:solidFill>
-              <a:effectLst/>
-              <a:uLnTx/>
-              <a:uFillTx/>
-              <a:latin typeface="微软雅黑" panose="020B0503020204020204" pitchFamily="34" charset="-122"/>
-              <a:ea typeface="微软雅黑" panose="020B0503020204020204" pitchFamily="34" charset="-122"/>
-              <a:cs typeface="+mn-cs"/>
-            </a:endParaRPr>
-          </a:p>
-        </p:txBody>
-      </p:sp>
       <p:cxnSp>
         <p:nvCxnSpPr>
           <p:cNvPr id="5" name="直接连接符 4">
             <a:extLst>
               <a:ext uri="{FF2B5EF4-FFF2-40B4-BE49-F238E27FC236}">
-                <a16:creationId xmlns:a16="http://schemas.microsoft.com/office/drawing/2014/main" id="{6B668989-A017-212E-1D27-BDCE0887AE22}"/>
+                <a16:creationId xmlns:a16="http://schemas.microsoft.com/office/drawing/2014/main" xmlns="" id="{6B668989-A017-212E-1D27-BDCE0887AE22}"/>
               </a:ext>
             </a:extLst>
           </p:cNvPr>
@@ -3180,122 +3084,6 @@
           </a:fontRef>
         </p:style>
       </p:cxnSp>
-      <p:sp>
-        <p:nvSpPr>
-          <p:cNvPr id="2" name="矩形 1">
-            <a:extLst>
-              <a:ext uri="{FF2B5EF4-FFF2-40B4-BE49-F238E27FC236}">
-                <a16:creationId xmlns:a16="http://schemas.microsoft.com/office/drawing/2014/main" id="{C268222F-DD34-E573-0CA4-627C6658FCA9}"/>
-              </a:ext>
-            </a:extLst>
-          </p:cNvPr>
-          <p:cNvSpPr/>
-          <p:nvPr/>
-        </p:nvSpPr>
-        <p:spPr>
-          <a:xfrm>
-            <a:off x="67732" y="1514981"/>
-            <a:ext cx="6860147" cy="1026628"/>
-          </a:xfrm>
-          <a:prstGeom prst="rect">
-            <a:avLst/>
-          </a:prstGeom>
-        </p:spPr>
-        <p:txBody>
-          <a:bodyPr wrap="square">
-            <a:spAutoFit/>
-          </a:bodyPr>
-          <a:lstStyle/>
-          <a:p>
-            <a:pPr lvl="1">
-              <a:lnSpc>
-                <a:spcPts val="2400"/>
-              </a:lnSpc>
-              <a:spcBef>
-                <a:spcPts val="100"/>
-              </a:spcBef>
-              <a:spcAft>
-                <a:spcPts val="100"/>
-              </a:spcAft>
-              <a:defRPr/>
-            </a:pPr>
-            <a:r>
-              <a:rPr lang="en-US" altLang="zh-CN" sz="1200" b="1" dirty="0">
-                <a:latin typeface="微软雅黑" panose="020B0503020204020204" pitchFamily="34" charset="-122"/>
-                <a:ea typeface="微软雅黑" panose="020B0503020204020204" pitchFamily="34" charset="-122"/>
-              </a:rPr>
-              <a:t>1</a:t>
-            </a:r>
-            <a:r>
-              <a:rPr lang="zh-CN" altLang="en-US" sz="1200" b="1" dirty="0">
-                <a:latin typeface="微软雅黑" panose="020B0503020204020204" pitchFamily="34" charset="-122"/>
-                <a:ea typeface="微软雅黑" panose="020B0503020204020204" pitchFamily="34" charset="-122"/>
-              </a:rPr>
-              <a:t>、各电源状态机上电使能条件：上电阶段电源吴故障，延时后依次上电</a:t>
-            </a:r>
-            <a:endParaRPr lang="en-US" altLang="zh-CN" sz="1200" b="1" dirty="0">
-              <a:latin typeface="微软雅黑" panose="020B0503020204020204" pitchFamily="34" charset="-122"/>
-              <a:ea typeface="微软雅黑" panose="020B0503020204020204" pitchFamily="34" charset="-122"/>
-            </a:endParaRPr>
-          </a:p>
-          <a:p>
-            <a:pPr lvl="1">
-              <a:lnSpc>
-                <a:spcPts val="2400"/>
-              </a:lnSpc>
-              <a:spcBef>
-                <a:spcPts val="100"/>
-              </a:spcBef>
-              <a:spcAft>
-                <a:spcPts val="100"/>
-              </a:spcAft>
-              <a:defRPr/>
-            </a:pPr>
-            <a:r>
-              <a:rPr lang="en-US" altLang="zh-CN" sz="1200" b="1" dirty="0">
-                <a:latin typeface="微软雅黑" panose="020B0503020204020204" pitchFamily="34" charset="-122"/>
-                <a:ea typeface="微软雅黑" panose="020B0503020204020204" pitchFamily="34" charset="-122"/>
-              </a:rPr>
-              <a:t>      </a:t>
-            </a:r>
-            <a:r>
-              <a:rPr lang="zh-CN" altLang="en-US" sz="1200" b="1" dirty="0">
-                <a:latin typeface="微软雅黑" panose="020B0503020204020204" pitchFamily="34" charset="-122"/>
-                <a:ea typeface="微软雅黑" panose="020B0503020204020204" pitchFamily="34" charset="-122"/>
-              </a:rPr>
-              <a:t>各电源下电使能条件：任一电源故障触发下电，延时后依次下电</a:t>
-            </a:r>
-            <a:endParaRPr lang="en-US" altLang="zh-CN" sz="1200" b="1" dirty="0">
-              <a:latin typeface="微软雅黑" panose="020B0503020204020204" pitchFamily="34" charset="-122"/>
-              <a:ea typeface="微软雅黑" panose="020B0503020204020204" pitchFamily="34" charset="-122"/>
-            </a:endParaRPr>
-          </a:p>
-          <a:p>
-            <a:pPr lvl="1">
-              <a:lnSpc>
-                <a:spcPts val="2400"/>
-              </a:lnSpc>
-              <a:spcBef>
-                <a:spcPts val="100"/>
-              </a:spcBef>
-              <a:spcAft>
-                <a:spcPts val="100"/>
-              </a:spcAft>
-              <a:defRPr/>
-            </a:pPr>
-            <a:r>
-              <a:rPr lang="en-US" altLang="zh-CN" sz="1200" dirty="0">
-                <a:solidFill>
-                  <a:srgbClr val="00B0F0"/>
-                </a:solidFill>
-                <a:latin typeface="微软雅黑" panose="020B0503020204020204" pitchFamily="34" charset="-122"/>
-                <a:ea typeface="微软雅黑" panose="020B0503020204020204" pitchFamily="34" charset="-122"/>
-              </a:rPr>
-              <a:t>2</a:t>
-            </a:r>
-          </a:p>
-        </p:txBody>
-      </p:sp>
     </p:spTree>
     <p:extLst>
       <p:ext uri="{BB962C8B-B14F-4D97-AF65-F5344CB8AC3E}">
@@ -3318,7 +3106,7 @@
         <p:cNvPr id="1" name="">
           <a:extLst>
             <a:ext uri="{FF2B5EF4-FFF2-40B4-BE49-F238E27FC236}">
-              <a16:creationId xmlns:a16="http://schemas.microsoft.com/office/drawing/2014/main" id="{F7674715-FBEB-BF1B-8742-62792FD6E8A7}"/>
+              <a16:creationId xmlns:a16="http://schemas.microsoft.com/office/drawing/2014/main" xmlns="" id="{F7674715-FBEB-BF1B-8742-62792FD6E8A7}"/>
             </a:ext>
           </a:extLst>
         </p:cNvPr>
@@ -3338,7 +3126,7 @@
           <p:cNvPr id="8" name="标题 1">
             <a:extLst>
               <a:ext uri="{FF2B5EF4-FFF2-40B4-BE49-F238E27FC236}">
-                <a16:creationId xmlns:a16="http://schemas.microsoft.com/office/drawing/2014/main" id="{3B9356B7-25ED-1173-456B-B509FD7FEC5A}"/>
+                <a16:creationId xmlns:a16="http://schemas.microsoft.com/office/drawing/2014/main" xmlns="" id="{3B9356B7-25ED-1173-456B-B509FD7FEC5A}"/>
               </a:ext>
             </a:extLst>
           </p:cNvPr>
@@ -3451,7 +3239,7 @@
           <p:cNvPr id="11" name="文本框 10">
             <a:extLst>
               <a:ext uri="{FF2B5EF4-FFF2-40B4-BE49-F238E27FC236}">
-                <a16:creationId xmlns:a16="http://schemas.microsoft.com/office/drawing/2014/main" id="{739C040F-E7F2-30A3-8292-588B9A6D254C}"/>
+                <a16:creationId xmlns:a16="http://schemas.microsoft.com/office/drawing/2014/main" xmlns="" id="{739C040F-E7F2-30A3-8292-588B9A6D254C}"/>
               </a:ext>
             </a:extLst>
           </p:cNvPr>
@@ -3530,7 +3318,7 @@
           <p:cNvPr id="12" name="矩形 11">
             <a:extLst>
               <a:ext uri="{FF2B5EF4-FFF2-40B4-BE49-F238E27FC236}">
-                <a16:creationId xmlns:a16="http://schemas.microsoft.com/office/drawing/2014/main" id="{C3EBDB82-AC7F-1674-DE50-04FF6160D96F}"/>
+                <a16:creationId xmlns:a16="http://schemas.microsoft.com/office/drawing/2014/main" xmlns="" id="{C3EBDB82-AC7F-1674-DE50-04FF6160D96F}"/>
               </a:ext>
             </a:extLst>
           </p:cNvPr>
@@ -20941,17 +20729,7 @@
               <a:defRPr/>
             </a:pPr>
             <a:r>
-              <a:rPr lang="en-US" altLang="zh-CN" sz="2400" dirty="0">
-                <a:solidFill>
-                  <a:prstClr val="black"/>
-                </a:solidFill>
-                <a:latin typeface="微软雅黑"/>
-                <a:ea typeface="微软雅黑"/>
-              </a:rPr>
-              <a:t>1</a:t>
-            </a:r>
-            <a:r>
-              <a:rPr kumimoji="0" lang="zh-CN" altLang="en-US" sz="2400" b="1" i="0" u="none" strike="noStrike" kern="1200" cap="none" spc="0" normalizeH="0" baseline="0" noProof="0" dirty="0">
+              <a:rPr kumimoji="0" lang="zh-CN" altLang="en-US" sz="2400" b="1" i="0" u="none" strike="noStrike" kern="1200" cap="none" spc="0" normalizeH="0" baseline="0" noProof="0" dirty="0" smtClean="0">
                 <a:ln>
                   <a:noFill/>
                 </a:ln>
@@ -20965,7 +20743,24 @@
                 <a:ea typeface="微软雅黑"/>
                 <a:cs typeface="+mj-cs"/>
               </a:rPr>
-              <a:t>、工作内容 </a:t>
+              <a:t>工作</a:t>
+            </a:r>
+            <a:r>
+              <a:rPr kumimoji="0" lang="zh-CN" altLang="en-US" sz="2400" b="1" i="0" u="none" strike="noStrike" kern="1200" cap="none" spc="0" normalizeH="0" baseline="0" noProof="0" dirty="0">
+                <a:ln>
+                  <a:noFill/>
+                </a:ln>
+                <a:solidFill>
+                  <a:prstClr val="black"/>
+                </a:solidFill>
+                <a:effectLst/>
+                <a:uLnTx/>
+                <a:uFillTx/>
+                <a:latin typeface="微软雅黑"/>
+                <a:ea typeface="微软雅黑"/>
+                <a:cs typeface="+mj-cs"/>
+              </a:rPr>
+              <a:t>内容 </a:t>
             </a:r>
             <a:r>
               <a:rPr kumimoji="0" lang="en-US" altLang="zh-CN" sz="2400" b="1" i="0" u="none" strike="noStrike" kern="1200" cap="none" spc="0" normalizeH="0" baseline="0" noProof="0" dirty="0">
@@ -21705,7 +21500,7 @@
         <p:cNvPr id="1" name="">
           <a:extLst>
             <a:ext uri="{FF2B5EF4-FFF2-40B4-BE49-F238E27FC236}">
-              <a16:creationId xmlns:a16="http://schemas.microsoft.com/office/drawing/2014/main" id="{4167FC13-AE83-0D31-8133-BF00331292B8}"/>
+              <a16:creationId xmlns:a16="http://schemas.microsoft.com/office/drawing/2014/main" xmlns="" id="{4167FC13-AE83-0D31-8133-BF00331292B8}"/>
             </a:ext>
           </a:extLst>
         </p:cNvPr>
@@ -21725,7 +21520,7 @@
           <p:cNvPr id="8" name="标题 1">
             <a:extLst>
               <a:ext uri="{FF2B5EF4-FFF2-40B4-BE49-F238E27FC236}">
-                <a16:creationId xmlns:a16="http://schemas.microsoft.com/office/drawing/2014/main" id="{5B6710D7-1A3C-9C49-E367-73AFDE59579D}"/>
+                <a16:creationId xmlns:a16="http://schemas.microsoft.com/office/drawing/2014/main" xmlns="" id="{5B6710D7-1A3C-9C49-E367-73AFDE59579D}"/>
               </a:ext>
             </a:extLst>
           </p:cNvPr>
@@ -21787,7 +21582,7 @@
               <a:defRPr/>
             </a:pPr>
             <a:r>
-              <a:rPr kumimoji="0" lang="en-US" altLang="zh-CN" sz="2400" b="1" i="0" u="none" strike="noStrike" kern="1200" cap="none" spc="0" normalizeH="0" baseline="0" noProof="0" dirty="0">
+              <a:rPr kumimoji="0" lang="zh-CN" altLang="en-US" sz="2400" b="1" i="0" u="none" strike="noStrike" kern="1200" cap="none" spc="0" normalizeH="0" baseline="0" noProof="0" dirty="0" smtClean="0">
                 <a:ln>
                   <a:noFill/>
                 </a:ln>
@@ -21801,7 +21596,7 @@
                 <a:ea typeface="微软雅黑"/>
                 <a:cs typeface="+mj-cs"/>
               </a:rPr>
-              <a:t>2</a:t>
+              <a:t>工作</a:t>
             </a:r>
             <a:r>
               <a:rPr kumimoji="0" lang="zh-CN" altLang="en-US" sz="2400" b="1" i="0" u="none" strike="noStrike" kern="1200" cap="none" spc="0" normalizeH="0" baseline="0" noProof="0" dirty="0">
@@ -21818,7 +21613,7 @@
                 <a:ea typeface="微软雅黑"/>
                 <a:cs typeface="+mj-cs"/>
               </a:rPr>
-              <a:t>、工作内容 </a:t>
+              <a:t>内容 </a:t>
             </a:r>
             <a:r>
               <a:rPr kumimoji="0" lang="en-US" altLang="zh-CN" sz="2400" b="1" i="0" u="none" strike="noStrike" kern="1200" cap="none" spc="0" normalizeH="0" baseline="0" noProof="0" dirty="0">
@@ -21838,7 +21633,27 @@
               <a:t>— </a:t>
             </a:r>
             <a:r>
-              <a:rPr kumimoji="0" lang="zh-CN" altLang="en-US" sz="2400" b="1" i="0" u="none" strike="noStrike" kern="1200" cap="none" spc="0" normalizeH="0" baseline="0" noProof="0" dirty="0">
+              <a:rPr lang="zh-CN" altLang="en-US" sz="2400" dirty="0">
+                <a:solidFill>
+                  <a:prstClr val="black"/>
+                </a:solidFill>
+                <a:latin typeface="微软雅黑"/>
+                <a:ea typeface="微软雅黑"/>
+              </a:rPr>
+              <a:t>东</a:t>
+            </a:r>
+            <a:r>
+              <a:rPr lang="zh-CN" altLang="en-US" sz="2400" dirty="0" smtClean="0">
+                <a:solidFill>
+                  <a:prstClr val="black"/>
+                </a:solidFill>
+                <a:latin typeface="微软雅黑"/>
+                <a:ea typeface="微软雅黑"/>
+              </a:rPr>
+              <a:t>湖一号</a:t>
+            </a:r>
+            <a:r>
+              <a:rPr kumimoji="0" lang="zh-CN" altLang="en-US" sz="2400" b="1" i="0" u="none" strike="noStrike" kern="1200" cap="none" spc="0" normalizeH="0" baseline="0" noProof="0" dirty="0" smtClean="0">
                 <a:ln>
                   <a:noFill/>
                 </a:ln>
@@ -21852,7 +21667,24 @@
                 <a:ea typeface="微软雅黑"/>
                 <a:cs typeface="+mj-cs"/>
               </a:rPr>
-              <a:t>梳理硬件设计方案</a:t>
+              <a:t>硬件</a:t>
+            </a:r>
+            <a:r>
+              <a:rPr kumimoji="0" lang="zh-CN" altLang="en-US" sz="2400" b="1" i="0" u="none" strike="noStrike" kern="1200" cap="none" spc="0" normalizeH="0" baseline="0" noProof="0" dirty="0">
+                <a:ln>
+                  <a:noFill/>
+                </a:ln>
+                <a:solidFill>
+                  <a:prstClr val="black"/>
+                </a:solidFill>
+                <a:effectLst/>
+                <a:uLnTx/>
+                <a:uFillTx/>
+                <a:latin typeface="微软雅黑"/>
+                <a:ea typeface="微软雅黑"/>
+                <a:cs typeface="+mj-cs"/>
+              </a:rPr>
+              <a:t>设计方案</a:t>
             </a:r>
             <a:endParaRPr kumimoji="0" lang="zh-CN" altLang="en-US" sz="2400" b="0" i="0" u="none" strike="noStrike" kern="1200" cap="none" spc="0" normalizeH="0" baseline="0" noProof="0" dirty="0">
               <a:ln>
@@ -21876,7 +21708,7 @@
           <p:cNvPr id="11" name="文本框 10">
             <a:extLst>
               <a:ext uri="{FF2B5EF4-FFF2-40B4-BE49-F238E27FC236}">
-                <a16:creationId xmlns:a16="http://schemas.microsoft.com/office/drawing/2014/main" id="{73B166C4-8DF6-3886-EC7D-A85782897FB9}"/>
+                <a16:creationId xmlns:a16="http://schemas.microsoft.com/office/drawing/2014/main" xmlns="" id="{73B166C4-8DF6-3886-EC7D-A85782897FB9}"/>
               </a:ext>
             </a:extLst>
           </p:cNvPr>
@@ -21955,7 +21787,7 @@
           <p:cNvPr id="3" name="图片 2" descr="图示, 示意图&#10;&#10;AI 生成的内容可能不正确。">
             <a:extLst>
               <a:ext uri="{FF2B5EF4-FFF2-40B4-BE49-F238E27FC236}">
-                <a16:creationId xmlns:a16="http://schemas.microsoft.com/office/drawing/2014/main" id="{071990E3-1218-34A2-BEFE-1F826A711DE7}"/>
+                <a16:creationId xmlns:a16="http://schemas.microsoft.com/office/drawing/2014/main" xmlns="" id="{071990E3-1218-34A2-BEFE-1F826A711DE7}"/>
               </a:ext>
             </a:extLst>
           </p:cNvPr>
@@ -21985,7 +21817,7 @@
           <p:cNvPr id="5" name="直接连接符 4">
             <a:extLst>
               <a:ext uri="{FF2B5EF4-FFF2-40B4-BE49-F238E27FC236}">
-                <a16:creationId xmlns:a16="http://schemas.microsoft.com/office/drawing/2014/main" id="{7BECF130-A785-D356-EA8A-F3280894CAC1}"/>
+                <a16:creationId xmlns:a16="http://schemas.microsoft.com/office/drawing/2014/main" xmlns="" id="{7BECF130-A785-D356-EA8A-F3280894CAC1}"/>
               </a:ext>
             </a:extLst>
           </p:cNvPr>
@@ -22032,7 +21864,7 @@
           <p:cNvPr id="10" name="矩形 9">
             <a:extLst>
               <a:ext uri="{FF2B5EF4-FFF2-40B4-BE49-F238E27FC236}">
-                <a16:creationId xmlns:a16="http://schemas.microsoft.com/office/drawing/2014/main" id="{50131B96-1067-AAC2-2D75-9FD20C3217AA}"/>
+                <a16:creationId xmlns:a16="http://schemas.microsoft.com/office/drawing/2014/main" xmlns="" id="{50131B96-1067-AAC2-2D75-9FD20C3217AA}"/>
               </a:ext>
             </a:extLst>
           </p:cNvPr>
@@ -23380,7 +23212,7 @@
         <p:cNvPr id="1" name="">
           <a:extLst>
             <a:ext uri="{FF2B5EF4-FFF2-40B4-BE49-F238E27FC236}">
-              <a16:creationId xmlns:a16="http://schemas.microsoft.com/office/drawing/2014/main" id="{40A3AE70-9581-A6CE-FB57-D606A42AA9C4}"/>
+              <a16:creationId xmlns:a16="http://schemas.microsoft.com/office/drawing/2014/main" xmlns="" id="{40A3AE70-9581-A6CE-FB57-D606A42AA9C4}"/>
             </a:ext>
           </a:extLst>
         </p:cNvPr>
@@ -23400,7 +23232,7 @@
           <p:cNvPr id="8" name="标题 1">
             <a:extLst>
               <a:ext uri="{FF2B5EF4-FFF2-40B4-BE49-F238E27FC236}">
-                <a16:creationId xmlns:a16="http://schemas.microsoft.com/office/drawing/2014/main" id="{2025E29C-3DB3-4716-0C1D-D211000B0971}"/>
+                <a16:creationId xmlns:a16="http://schemas.microsoft.com/office/drawing/2014/main" xmlns="" id="{2025E29C-3DB3-4716-0C1D-D211000B0971}"/>
               </a:ext>
             </a:extLst>
           </p:cNvPr>
@@ -23444,25 +23276,14 @@
             </a:lvl1pPr>
           </a:lstStyle>
           <a:p>
-            <a:pPr marL="0" marR="0" lvl="0" indent="0" algn="l" defTabSz="914400" rtl="0" eaLnBrk="1" fontAlgn="auto" latinLnBrk="0" hangingPunct="1">
-              <a:lnSpc>
-                <a:spcPct val="90000"/>
-              </a:lnSpc>
-              <a:spcBef>
-                <a:spcPct val="0"/>
-              </a:spcBef>
+            <a:pPr lvl="0" fontAlgn="auto">
               <a:spcAft>
                 <a:spcPts val="0"/>
               </a:spcAft>
-              <a:buClrTx/>
-              <a:buSzTx/>
-              <a:buFontTx/>
-              <a:buNone/>
-              <a:tabLst/>
               <a:defRPr/>
             </a:pPr>
             <a:r>
-              <a:rPr kumimoji="0" lang="en-US" altLang="zh-CN" sz="2400" b="1" i="0" u="none" strike="noStrike" kern="1200" cap="none" spc="0" normalizeH="0" baseline="0" noProof="0" dirty="0">
+              <a:rPr kumimoji="0" lang="zh-CN" altLang="en-US" sz="2400" b="1" i="0" u="none" strike="noStrike" kern="1200" cap="none" spc="0" normalizeH="0" baseline="0" noProof="0" dirty="0" smtClean="0">
                 <a:ln>
                   <a:noFill/>
                 </a:ln>
@@ -23476,7 +23297,7 @@
                 <a:ea typeface="微软雅黑"/>
                 <a:cs typeface="+mj-cs"/>
               </a:rPr>
-              <a:t>2</a:t>
+              <a:t>工作</a:t>
             </a:r>
             <a:r>
               <a:rPr kumimoji="0" lang="zh-CN" altLang="en-US" sz="2400" b="1" i="0" u="none" strike="noStrike" kern="1200" cap="none" spc="0" normalizeH="0" baseline="0" noProof="0" dirty="0">
@@ -23493,10 +23314,10 @@
                 <a:ea typeface="微软雅黑"/>
                 <a:cs typeface="+mj-cs"/>
               </a:rPr>
-              <a:t>、工作内容 </a:t>
-            </a:r>
-            <a:r>
-              <a:rPr kumimoji="0" lang="en-US" altLang="zh-CN" sz="2400" b="1" i="0" u="none" strike="noStrike" kern="1200" cap="none" spc="0" normalizeH="0" baseline="0" noProof="0" dirty="0">
+              <a:t>内容 </a:t>
+            </a:r>
+            <a:r>
+              <a:rPr kumimoji="0" lang="en-US" altLang="zh-CN" sz="2400" b="1" i="0" u="none" strike="noStrike" kern="1200" cap="none" spc="0" normalizeH="0" baseline="0" noProof="0" dirty="0" smtClean="0">
                 <a:ln>
                   <a:noFill/>
                 </a:ln>
@@ -23510,24 +23331,27 @@
                 <a:ea typeface="微软雅黑"/>
                 <a:cs typeface="+mj-cs"/>
               </a:rPr>
-              <a:t>— </a:t>
-            </a:r>
-            <a:r>
-              <a:rPr kumimoji="0" lang="zh-CN" altLang="en-US" sz="2400" b="1" i="0" u="none" strike="noStrike" kern="1200" cap="none" spc="0" normalizeH="0" baseline="0" noProof="0" dirty="0">
-                <a:ln>
-                  <a:noFill/>
-                </a:ln>
-                <a:solidFill>
-                  <a:prstClr val="black"/>
-                </a:solidFill>
-                <a:effectLst/>
-                <a:uLnTx/>
-                <a:uFillTx/>
+              <a:t>—</a:t>
+            </a:r>
+            <a:r>
+              <a:rPr lang="zh-CN" altLang="en-US" sz="2400" dirty="0">
+                <a:solidFill>
+                  <a:prstClr val="black"/>
+                </a:solidFill>
                 <a:latin typeface="微软雅黑"/>
                 <a:ea typeface="微软雅黑"/>
-                <a:cs typeface="+mj-cs"/>
-              </a:rPr>
-              <a:t>东湖一号项目</a:t>
+              </a:rPr>
+              <a:t>东湖一号</a:t>
+            </a:r>
+            <a:r>
+              <a:rPr lang="zh-CN" altLang="en-US" sz="2400" dirty="0" smtClean="0">
+                <a:solidFill>
+                  <a:prstClr val="black"/>
+                </a:solidFill>
+                <a:latin typeface="微软雅黑"/>
+                <a:ea typeface="微软雅黑"/>
+              </a:rPr>
+              <a:t>逻辑方案设计</a:t>
             </a:r>
             <a:endParaRPr kumimoji="0" lang="zh-CN" altLang="en-US" sz="2400" b="0" i="0" u="none" strike="noStrike" kern="1200" cap="none" spc="0" normalizeH="0" baseline="0" noProof="0" dirty="0">
               <a:ln>
@@ -23551,7 +23375,7 @@
           <p:cNvPr id="11" name="文本框 10">
             <a:extLst>
               <a:ext uri="{FF2B5EF4-FFF2-40B4-BE49-F238E27FC236}">
-                <a16:creationId xmlns:a16="http://schemas.microsoft.com/office/drawing/2014/main" id="{2BC0A0A8-0C9C-2D51-D930-A3AB6D1663CB}"/>
+                <a16:creationId xmlns:a16="http://schemas.microsoft.com/office/drawing/2014/main" xmlns="" id="{2BC0A0A8-0C9C-2D51-D930-A3AB6D1663CB}"/>
               </a:ext>
             </a:extLst>
           </p:cNvPr>
@@ -23625,42 +23449,12 @@
           </a:p>
         </p:txBody>
       </p:sp>
-      <p:pic>
-        <p:nvPicPr>
-          <p:cNvPr id="3" name="图片 2" descr="图示, 示意图&#10;&#10;AI 生成的内容可能不正确。">
-            <a:extLst>
-              <a:ext uri="{FF2B5EF4-FFF2-40B4-BE49-F238E27FC236}">
-                <a16:creationId xmlns:a16="http://schemas.microsoft.com/office/drawing/2014/main" id="{24179404-0517-210D-F82F-5FF828C8FB6D}"/>
-              </a:ext>
-            </a:extLst>
-          </p:cNvPr>
-          <p:cNvPicPr>
-            <a:picLocks noChangeAspect="1"/>
-          </p:cNvPicPr>
-          <p:nvPr/>
-        </p:nvPicPr>
-        <p:blipFill>
-          <a:blip r:embed="rId2"/>
-          <a:stretch>
-            <a:fillRect/>
-          </a:stretch>
-        </p:blipFill>
-        <p:spPr>
-          <a:xfrm>
-            <a:off x="6458205" y="2015917"/>
-            <a:ext cx="5676645" cy="3898937"/>
-          </a:xfrm>
-          <a:prstGeom prst="rect">
-            <a:avLst/>
-          </a:prstGeom>
-        </p:spPr>
-      </p:pic>
       <p:cxnSp>
         <p:nvCxnSpPr>
           <p:cNvPr id="5" name="直接连接符 4">
             <a:extLst>
               <a:ext uri="{FF2B5EF4-FFF2-40B4-BE49-F238E27FC236}">
-                <a16:creationId xmlns:a16="http://schemas.microsoft.com/office/drawing/2014/main" id="{51869E89-D624-D4A4-243B-3799A8F546CB}"/>
+                <a16:creationId xmlns:a16="http://schemas.microsoft.com/office/drawing/2014/main" xmlns="" id="{51869E89-D624-D4A4-243B-3799A8F546CB}"/>
               </a:ext>
             </a:extLst>
           </p:cNvPr>
@@ -23671,7 +23465,7 @@
         </p:nvCxnSpPr>
         <p:spPr>
           <a:xfrm>
-            <a:off x="6486720" y="1101199"/>
+            <a:off x="5486595" y="1101199"/>
             <a:ext cx="0" cy="5330286"/>
           </a:xfrm>
           <a:prstGeom prst="line">
@@ -23707,7 +23501,7 @@
           <p:cNvPr id="10" name="矩形 9">
             <a:extLst>
               <a:ext uri="{FF2B5EF4-FFF2-40B4-BE49-F238E27FC236}">
-                <a16:creationId xmlns:a16="http://schemas.microsoft.com/office/drawing/2014/main" id="{57A52783-686B-AA09-B339-0D77F83E901E}"/>
+                <a16:creationId xmlns:a16="http://schemas.microsoft.com/office/drawing/2014/main" xmlns="" id="{57A52783-686B-AA09-B339-0D77F83E901E}"/>
               </a:ext>
             </a:extLst>
           </p:cNvPr>
@@ -23716,8 +23510,8 @@
         </p:nvSpPr>
         <p:spPr>
           <a:xfrm>
-            <a:off x="30267" y="1452269"/>
-            <a:ext cx="6418353" cy="4027449"/>
+            <a:off x="30268" y="1452269"/>
+            <a:ext cx="5541858" cy="4375557"/>
           </a:xfrm>
           <a:prstGeom prst="rect">
             <a:avLst/>
@@ -24312,347 +24106,30 @@
           </a:p>
         </p:txBody>
       </p:sp>
-      <p:sp>
-        <p:nvSpPr>
-          <p:cNvPr id="2" name="Rectangle 1">
-            <a:extLst>
-              <a:ext uri="{FF2B5EF4-FFF2-40B4-BE49-F238E27FC236}">
-                <a16:creationId xmlns:a16="http://schemas.microsoft.com/office/drawing/2014/main" id="{3FD6725B-D032-717B-C3A2-ACF1CA11CEB0}"/>
-              </a:ext>
-            </a:extLst>
-          </p:cNvPr>
-          <p:cNvSpPr>
-            <a:spLocks noChangeArrowheads="1"/>
-          </p:cNvSpPr>
+      <p:pic>
+        <p:nvPicPr>
+          <p:cNvPr id="6" name="图片 5"/>
+          <p:cNvPicPr>
+            <a:picLocks noChangeAspect="1"/>
+          </p:cNvPicPr>
           <p:nvPr/>
-        </p:nvSpPr>
-        <p:spPr bwMode="auto">
+        </p:nvPicPr>
+        <p:blipFill>
+          <a:blip r:embed="rId2"/>
+          <a:stretch>
+            <a:fillRect/>
+          </a:stretch>
+        </p:blipFill>
+        <p:spPr>
           <a:xfrm>
-            <a:off x="0" y="0"/>
-            <a:ext cx="12192000" cy="0"/>
+            <a:off x="5672369" y="1470531"/>
+            <a:ext cx="6493211" cy="4790542"/>
           </a:xfrm>
           <a:prstGeom prst="rect">
             <a:avLst/>
           </a:prstGeom>
-          <a:noFill/>
-          <a:ln>
-            <a:noFill/>
-          </a:ln>
-          <a:effectLst/>
-          <a:extLst>
-            <a:ext uri="{909E8E84-426E-40DD-AFC4-6F175D3DCCD1}">
-              <a14:hiddenFill xmlns:a14="http://schemas.microsoft.com/office/drawing/2010/main">
-                <a:solidFill>
-                  <a:schemeClr val="accent1"/>
-                </a:solidFill>
-              </a14:hiddenFill>
-            </a:ext>
-            <a:ext uri="{91240B29-F687-4F45-9708-019B960494DF}">
-              <a14:hiddenLine xmlns:a14="http://schemas.microsoft.com/office/drawing/2010/main" w="9525">
-                <a:solidFill>
-                  <a:schemeClr val="tx1"/>
-                </a:solidFill>
-                <a:miter lim="800000"/>
-                <a:headEnd/>
-                <a:tailEnd/>
-              </a14:hiddenLine>
-            </a:ext>
-            <a:ext uri="{AF507438-7753-43E0-B8FC-AC1667EBCBE1}">
-              <a14:hiddenEffects xmlns:a14="http://schemas.microsoft.com/office/drawing/2010/main">
-                <a:effectLst>
-                  <a:outerShdw dist="35921" dir="2700000" algn="ctr" rotWithShape="0">
-                    <a:schemeClr val="bg2"/>
-                  </a:outerShdw>
-                </a:effectLst>
-              </a14:hiddenEffects>
-            </a:ext>
-          </a:extLst>
         </p:spPr>
-        <p:txBody>
-          <a:bodyPr vert="horz" wrap="none" lIns="0" tIns="0" rIns="0" bIns="0" numCol="1" anchor="ctr" anchorCtr="0" compatLnSpc="1">
-            <a:prstTxWarp prst="textNoShape">
-              <a:avLst/>
-            </a:prstTxWarp>
-            <a:spAutoFit/>
-          </a:bodyPr>
-          <a:lstStyle/>
-          <a:p>
-            <a:pPr marL="0" marR="0" lvl="0" indent="0" algn="l" defTabSz="914400" rtl="0" eaLnBrk="0" fontAlgn="base" latinLnBrk="0" hangingPunct="0">
-              <a:lnSpc>
-                <a:spcPct val="100000"/>
-              </a:lnSpc>
-              <a:spcBef>
-                <a:spcPct val="0"/>
-              </a:spcBef>
-              <a:spcAft>
-                <a:spcPct val="0"/>
-              </a:spcAft>
-              <a:buClrTx/>
-              <a:buSzTx/>
-              <a:buFontTx/>
-              <a:buChar char="•"/>
-              <a:tabLst/>
-            </a:pPr>
-            <a:r>
-              <a:rPr kumimoji="0" lang="zh-CN" altLang="zh-CN" sz="1200" b="0" i="0" u="none" strike="noStrike" cap="none" normalizeH="0" baseline="0">
-                <a:ln>
-                  <a:noFill/>
-                </a:ln>
-                <a:solidFill>
-                  <a:srgbClr val="000000"/>
-                </a:solidFill>
-                <a:effectLst/>
-                <a:latin typeface="Arial Unicode MS"/>
-                <a:ea typeface="ui-monospace"/>
-              </a:rPr>
-              <a:t>o_rsmrst_n</a:t>
-            </a:r>
-            <a:r>
-              <a:rPr kumimoji="0" lang="zh-CN" altLang="zh-CN" sz="1200" b="0" i="0" u="none" strike="noStrike" cap="none" normalizeH="0" baseline="0">
-                <a:ln>
-                  <a:noFill/>
-                </a:ln>
-                <a:solidFill>
-                  <a:srgbClr val="000000"/>
-                </a:solidFill>
-                <a:effectLst/>
-                <a:ea typeface="ui-sans-serif"/>
-              </a:rPr>
-              <a:t>：CPU 管理复位信号（低有效），上电初期拉低强制 CPU 复位，电源全好后释放；电源故障时重新拉低，强制 CPU 复位，杜绝故障扩散；</a:t>
-            </a:r>
-            <a:r>
-              <a:rPr kumimoji="0" lang="zh-CN" altLang="zh-CN" sz="600" b="0" i="0" u="none" strike="noStrike" cap="none" normalizeH="0" baseline="0">
-                <a:ln>
-                  <a:noFill/>
-                </a:ln>
-                <a:solidFill>
-                  <a:schemeClr val="tx1"/>
-                </a:solidFill>
-                <a:effectLst/>
-                <a:latin typeface="Arial" panose="020B0604020202020204" pitchFamily="34" charset="0"/>
-              </a:rPr>
-              <a:t> </a:t>
-            </a:r>
-            <a:endParaRPr kumimoji="0" lang="zh-CN" altLang="zh-CN" sz="1200" b="0" i="0" u="none" strike="noStrike" cap="none" normalizeH="0" baseline="0">
-              <a:ln>
-                <a:noFill/>
-              </a:ln>
-              <a:solidFill>
-                <a:srgbClr val="000000"/>
-              </a:solidFill>
-              <a:effectLst/>
-              <a:latin typeface="Arial" panose="020B0604020202020204" pitchFamily="34" charset="0"/>
-              <a:ea typeface="ui-sans-serif"/>
-            </a:endParaRPr>
-          </a:p>
-          <a:p>
-            <a:pPr marL="0" marR="0" lvl="0" indent="0" algn="l" defTabSz="914400" rtl="0" eaLnBrk="0" fontAlgn="base" latinLnBrk="0" hangingPunct="0">
-              <a:lnSpc>
-                <a:spcPct val="100000"/>
-              </a:lnSpc>
-              <a:spcBef>
-                <a:spcPct val="0"/>
-              </a:spcBef>
-              <a:spcAft>
-                <a:spcPct val="0"/>
-              </a:spcAft>
-              <a:buClrTx/>
-              <a:buSzTx/>
-              <a:buFontTx/>
-              <a:buChar char="•"/>
-              <a:tabLst/>
-            </a:pPr>
-            <a:r>
-              <a:rPr kumimoji="0" lang="zh-CN" altLang="zh-CN" sz="1200" b="0" i="0" u="none" strike="noStrike" cap="none" normalizeH="0" baseline="0">
-                <a:ln>
-                  <a:noFill/>
-                </a:ln>
-                <a:solidFill>
-                  <a:srgbClr val="000000"/>
-                </a:solidFill>
-                <a:effectLst/>
-                <a:latin typeface="Arial Unicode MS"/>
-                <a:ea typeface="ui-monospace"/>
-              </a:rPr>
-              <a:t>o_p0/p1_kbrst_n</a:t>
-            </a:r>
-            <a:r>
-              <a:rPr kumimoji="0" lang="zh-CN" altLang="zh-CN" sz="1200" b="0" i="0" u="none" strike="noStrike" cap="none" normalizeH="0" baseline="0">
-                <a:ln>
-                  <a:noFill/>
-                </a:ln>
-                <a:solidFill>
-                  <a:srgbClr val="000000"/>
-                </a:solidFill>
-                <a:effectLst/>
-                <a:ea typeface="ui-sans-serif"/>
-              </a:rPr>
-              <a:t>：键盘复位信号，联动 BMC 热复位指令，实现系统软复位；</a:t>
-            </a:r>
-            <a:r>
-              <a:rPr kumimoji="0" lang="zh-CN" altLang="zh-CN" sz="600" b="0" i="0" u="none" strike="noStrike" cap="none" normalizeH="0" baseline="0">
-                <a:ln>
-                  <a:noFill/>
-                </a:ln>
-                <a:solidFill>
-                  <a:schemeClr val="tx1"/>
-                </a:solidFill>
-                <a:effectLst/>
-                <a:latin typeface="Arial" panose="020B0604020202020204" pitchFamily="34" charset="0"/>
-              </a:rPr>
-              <a:t> </a:t>
-            </a:r>
-            <a:endParaRPr kumimoji="0" lang="zh-CN" altLang="zh-CN" sz="1200" b="0" i="0" u="none" strike="noStrike" cap="none" normalizeH="0" baseline="0">
-              <a:ln>
-                <a:noFill/>
-              </a:ln>
-              <a:solidFill>
-                <a:srgbClr val="000000"/>
-              </a:solidFill>
-              <a:effectLst/>
-              <a:latin typeface="Arial" panose="020B0604020202020204" pitchFamily="34" charset="0"/>
-              <a:ea typeface="ui-sans-serif"/>
-            </a:endParaRPr>
-          </a:p>
-          <a:p>
-            <a:pPr marL="0" marR="0" lvl="0" indent="0" algn="l" defTabSz="914400" rtl="0" eaLnBrk="0" fontAlgn="base" latinLnBrk="0" hangingPunct="0">
-              <a:lnSpc>
-                <a:spcPct val="100000"/>
-              </a:lnSpc>
-              <a:spcBef>
-                <a:spcPct val="0"/>
-              </a:spcBef>
-              <a:spcAft>
-                <a:spcPct val="0"/>
-              </a:spcAft>
-              <a:buClrTx/>
-              <a:buSzTx/>
-              <a:buFontTx/>
-              <a:buChar char="•"/>
-              <a:tabLst/>
-            </a:pPr>
-            <a:r>
-              <a:rPr kumimoji="0" lang="zh-CN" altLang="zh-CN" sz="1200" b="0" i="0" u="none" strike="noStrike" cap="none" normalizeH="0" baseline="0">
-                <a:ln>
-                  <a:noFill/>
-                </a:ln>
-                <a:solidFill>
-                  <a:srgbClr val="000000"/>
-                </a:solidFill>
-                <a:effectLst/>
-                <a:latin typeface="Arial Unicode MS"/>
-                <a:ea typeface="ui-monospace"/>
-              </a:rPr>
-              <a:t>o_p0/p1_prochot_n</a:t>
-            </a:r>
-            <a:r>
-              <a:rPr kumimoji="0" lang="zh-CN" altLang="zh-CN" sz="1200" b="0" i="0" u="none" strike="noStrike" cap="none" normalizeH="0" baseline="0">
-                <a:ln>
-                  <a:noFill/>
-                </a:ln>
-                <a:solidFill>
-                  <a:srgbClr val="000000"/>
-                </a:solidFill>
-                <a:effectLst/>
-                <a:ea typeface="ui-sans-serif"/>
-              </a:rPr>
-              <a:t>：CPU 热节流信号，CPU 温度过高时拉低，强制 CPU 降频，是 CPU 过热的硬件兜底保护；</a:t>
-            </a:r>
-            <a:r>
-              <a:rPr kumimoji="0" lang="zh-CN" altLang="zh-CN" sz="600" b="0" i="0" u="none" strike="noStrike" cap="none" normalizeH="0" baseline="0">
-                <a:ln>
-                  <a:noFill/>
-                </a:ln>
-                <a:solidFill>
-                  <a:schemeClr val="tx1"/>
-                </a:solidFill>
-                <a:effectLst/>
-                <a:latin typeface="Arial" panose="020B0604020202020204" pitchFamily="34" charset="0"/>
-              </a:rPr>
-              <a:t> </a:t>
-            </a:r>
-            <a:endParaRPr kumimoji="0" lang="zh-CN" altLang="zh-CN" sz="1200" b="0" i="0" u="none" strike="noStrike" cap="none" normalizeH="0" baseline="0">
-              <a:ln>
-                <a:noFill/>
-              </a:ln>
-              <a:solidFill>
-                <a:srgbClr val="000000"/>
-              </a:solidFill>
-              <a:effectLst/>
-              <a:latin typeface="Arial" panose="020B0604020202020204" pitchFamily="34" charset="0"/>
-              <a:ea typeface="ui-sans-serif"/>
-            </a:endParaRPr>
-          </a:p>
-          <a:p>
-            <a:pPr marL="0" marR="0" lvl="0" indent="0" algn="l" defTabSz="914400" rtl="0" eaLnBrk="0" fontAlgn="base" latinLnBrk="0" hangingPunct="0">
-              <a:lnSpc>
-                <a:spcPct val="100000"/>
-              </a:lnSpc>
-              <a:spcBef>
-                <a:spcPct val="0"/>
-              </a:spcBef>
-              <a:spcAft>
-                <a:spcPct val="0"/>
-              </a:spcAft>
-              <a:buClrTx/>
-              <a:buSzTx/>
-              <a:buFontTx/>
-              <a:buChar char="•"/>
-              <a:tabLst/>
-            </a:pPr>
-            <a:r>
-              <a:rPr kumimoji="0" lang="zh-CN" altLang="zh-CN" sz="1200" b="0" i="0" u="none" strike="noStrike" cap="none" normalizeH="0" baseline="0">
-                <a:ln>
-                  <a:noFill/>
-                </a:ln>
-                <a:solidFill>
-                  <a:srgbClr val="000000"/>
-                </a:solidFill>
-                <a:effectLst/>
-                <a:latin typeface="Arial Unicode MS"/>
-                <a:ea typeface="ui-monospace"/>
-              </a:rPr>
-              <a:t>o_cpu_pwrok</a:t>
-            </a:r>
-            <a:r>
-              <a:rPr kumimoji="0" lang="zh-CN" altLang="zh-CN" sz="1200" b="0" i="0" u="none" strike="noStrike" cap="none" normalizeH="0" baseline="0">
-                <a:ln>
-                  <a:noFill/>
-                </a:ln>
-                <a:solidFill>
-                  <a:srgbClr val="000000"/>
-                </a:solidFill>
-                <a:effectLst/>
-                <a:ea typeface="ui-sans-serif"/>
-              </a:rPr>
-              <a:t>：全局 CPU 电源好信号，电源全好后置高，CPU 接收到该信号后才开始执行初始化流程。</a:t>
-            </a:r>
-            <a:r>
-              <a:rPr kumimoji="0" lang="zh-CN" altLang="zh-CN" sz="600" b="0" i="0" u="none" strike="noStrike" cap="none" normalizeH="0" baseline="0">
-                <a:ln>
-                  <a:noFill/>
-                </a:ln>
-                <a:solidFill>
-                  <a:schemeClr val="tx1"/>
-                </a:solidFill>
-                <a:effectLst/>
-                <a:latin typeface="Arial" panose="020B0604020202020204" pitchFamily="34" charset="0"/>
-              </a:rPr>
-              <a:t> </a:t>
-            </a:r>
-            <a:endParaRPr kumimoji="0" lang="zh-CN" altLang="zh-CN" sz="1800" b="0" i="0" u="none" strike="noStrike" cap="none" normalizeH="0" baseline="0">
-              <a:ln>
-                <a:noFill/>
-              </a:ln>
-              <a:solidFill>
-                <a:schemeClr val="tx1"/>
-              </a:solidFill>
-              <a:effectLst/>
-              <a:latin typeface="Arial" panose="020B0604020202020204" pitchFamily="34" charset="0"/>
-            </a:endParaRPr>
-          </a:p>
-        </p:txBody>
-      </p:sp>
+      </p:pic>
     </p:spTree>
     <p:extLst>
       <p:ext uri="{BB962C8B-B14F-4D97-AF65-F5344CB8AC3E}">
@@ -24675,7 +24152,7 @@
         <p:cNvPr id="1" name="">
           <a:extLst>
             <a:ext uri="{FF2B5EF4-FFF2-40B4-BE49-F238E27FC236}">
-              <a16:creationId xmlns:a16="http://schemas.microsoft.com/office/drawing/2014/main" id="{AC470C7D-3446-8BFD-D29C-E5CB50161FF3}"/>
+              <a16:creationId xmlns:a16="http://schemas.microsoft.com/office/drawing/2014/main" xmlns="" id="{AC470C7D-3446-8BFD-D29C-E5CB50161FF3}"/>
             </a:ext>
           </a:extLst>
         </p:cNvPr>
@@ -24695,7 +24172,7 @@
           <p:cNvPr id="8" name="标题 1">
             <a:extLst>
               <a:ext uri="{FF2B5EF4-FFF2-40B4-BE49-F238E27FC236}">
-                <a16:creationId xmlns:a16="http://schemas.microsoft.com/office/drawing/2014/main" id="{60CB0C96-0DF0-A989-5C0A-E938908FA0B2}"/>
+                <a16:creationId xmlns:a16="http://schemas.microsoft.com/office/drawing/2014/main" xmlns="" id="{60CB0C96-0DF0-A989-5C0A-E938908FA0B2}"/>
               </a:ext>
             </a:extLst>
           </p:cNvPr>
@@ -24739,25 +24216,14 @@
             </a:lvl1pPr>
           </a:lstStyle>
           <a:p>
-            <a:pPr marL="0" marR="0" lvl="0" indent="0" algn="l" defTabSz="914400" rtl="0" eaLnBrk="1" fontAlgn="auto" latinLnBrk="0" hangingPunct="1">
-              <a:lnSpc>
-                <a:spcPct val="90000"/>
-              </a:lnSpc>
-              <a:spcBef>
-                <a:spcPct val="0"/>
-              </a:spcBef>
+            <a:pPr lvl="0" fontAlgn="auto">
               <a:spcAft>
                 <a:spcPts val="0"/>
               </a:spcAft>
-              <a:buClrTx/>
-              <a:buSzTx/>
-              <a:buFontTx/>
-              <a:buNone/>
-              <a:tabLst/>
               <a:defRPr/>
             </a:pPr>
             <a:r>
-              <a:rPr kumimoji="0" lang="en-US" altLang="zh-CN" sz="2400" b="1" i="0" u="none" strike="noStrike" kern="1200" cap="none" spc="0" normalizeH="0" baseline="0" noProof="0" dirty="0">
+              <a:rPr kumimoji="0" lang="zh-CN" altLang="en-US" sz="2400" b="1" i="0" u="none" strike="noStrike" kern="1200" cap="none" spc="0" normalizeH="0" baseline="0" noProof="0" dirty="0" smtClean="0">
                 <a:ln>
                   <a:noFill/>
                 </a:ln>
@@ -24771,7 +24237,7 @@
                 <a:ea typeface="微软雅黑"/>
                 <a:cs typeface="+mj-cs"/>
               </a:rPr>
-              <a:t>2</a:t>
+              <a:t>工作</a:t>
             </a:r>
             <a:r>
               <a:rPr kumimoji="0" lang="zh-CN" altLang="en-US" sz="2400" b="1" i="0" u="none" strike="noStrike" kern="1200" cap="none" spc="0" normalizeH="0" baseline="0" noProof="0" dirty="0">
@@ -24788,10 +24254,10 @@
                 <a:ea typeface="微软雅黑"/>
                 <a:cs typeface="+mj-cs"/>
               </a:rPr>
-              <a:t>、工作内容 </a:t>
-            </a:r>
-            <a:r>
-              <a:rPr kumimoji="0" lang="en-US" altLang="zh-CN" sz="2400" b="1" i="0" u="none" strike="noStrike" kern="1200" cap="none" spc="0" normalizeH="0" baseline="0" noProof="0" dirty="0">
+              <a:t>内容 </a:t>
+            </a:r>
+            <a:r>
+              <a:rPr kumimoji="0" lang="en-US" altLang="zh-CN" sz="2400" b="1" i="0" u="none" strike="noStrike" kern="1200" cap="none" spc="0" normalizeH="0" baseline="0" noProof="0" dirty="0" smtClean="0">
                 <a:ln>
                   <a:noFill/>
                 </a:ln>
@@ -24805,24 +24271,27 @@
                 <a:ea typeface="微软雅黑"/>
                 <a:cs typeface="+mj-cs"/>
               </a:rPr>
-              <a:t>— </a:t>
-            </a:r>
-            <a:r>
-              <a:rPr kumimoji="0" lang="zh-CN" altLang="en-US" sz="2400" b="1" i="0" u="none" strike="noStrike" kern="1200" cap="none" spc="0" normalizeH="0" baseline="0" noProof="0" dirty="0">
-                <a:ln>
-                  <a:noFill/>
-                </a:ln>
-                <a:solidFill>
-                  <a:prstClr val="black"/>
-                </a:solidFill>
-                <a:effectLst/>
-                <a:uLnTx/>
-                <a:uFillTx/>
+              <a:t>—</a:t>
+            </a:r>
+            <a:r>
+              <a:rPr lang="zh-CN" altLang="en-US" sz="2400" dirty="0">
+                <a:solidFill>
+                  <a:prstClr val="black"/>
+                </a:solidFill>
                 <a:latin typeface="微软雅黑"/>
                 <a:ea typeface="微软雅黑"/>
-                <a:cs typeface="+mj-cs"/>
-              </a:rPr>
-              <a:t>东湖一号项目</a:t>
+              </a:rPr>
+              <a:t>东湖一号</a:t>
+            </a:r>
+            <a:r>
+              <a:rPr lang="zh-CN" altLang="en-US" sz="2400" dirty="0" smtClean="0">
+                <a:solidFill>
+                  <a:prstClr val="black"/>
+                </a:solidFill>
+                <a:latin typeface="微软雅黑"/>
+                <a:ea typeface="微软雅黑"/>
+              </a:rPr>
+              <a:t>电源上下电调试</a:t>
             </a:r>
             <a:endParaRPr kumimoji="0" lang="zh-CN" altLang="en-US" sz="2400" b="0" i="0" u="none" strike="noStrike" kern="1200" cap="none" spc="0" normalizeH="0" baseline="0" noProof="0" dirty="0">
               <a:ln>
@@ -24846,7 +24315,7 @@
           <p:cNvPr id="11" name="文本框 10">
             <a:extLst>
               <a:ext uri="{FF2B5EF4-FFF2-40B4-BE49-F238E27FC236}">
-                <a16:creationId xmlns:a16="http://schemas.microsoft.com/office/drawing/2014/main" id="{03D98094-D5A0-A8C6-D328-E7735915C87C}"/>
+                <a16:creationId xmlns:a16="http://schemas.microsoft.com/office/drawing/2014/main" xmlns="" id="{03D98094-D5A0-A8C6-D328-E7735915C87C}"/>
               </a:ext>
             </a:extLst>
           </p:cNvPr>
@@ -24928,7 +24397,7 @@
           <p:cNvPr id="5" name="直接连接符 4">
             <a:extLst>
               <a:ext uri="{FF2B5EF4-FFF2-40B4-BE49-F238E27FC236}">
-                <a16:creationId xmlns:a16="http://schemas.microsoft.com/office/drawing/2014/main" id="{3F612B68-85B8-D7DF-6FDF-9FA88DD78519}"/>
+                <a16:creationId xmlns:a16="http://schemas.microsoft.com/office/drawing/2014/main" xmlns="" id="{3F612B68-85B8-D7DF-6FDF-9FA88DD78519}"/>
               </a:ext>
             </a:extLst>
           </p:cNvPr>
@@ -24975,7 +24444,7 @@
           <p:cNvPr id="9" name="图片 8">
             <a:extLst>
               <a:ext uri="{FF2B5EF4-FFF2-40B4-BE49-F238E27FC236}">
-                <a16:creationId xmlns:a16="http://schemas.microsoft.com/office/drawing/2014/main" id="{B0EB4A4D-84ED-949C-02A8-C65834402CE1}"/>
+                <a16:creationId xmlns:a16="http://schemas.microsoft.com/office/drawing/2014/main" xmlns="" id="{B0EB4A4D-84ED-949C-02A8-C65834402CE1}"/>
               </a:ext>
             </a:extLst>
           </p:cNvPr>
@@ -25011,7 +24480,7 @@
           <p:cNvPr id="2" name="矩形 1">
             <a:extLst>
               <a:ext uri="{FF2B5EF4-FFF2-40B4-BE49-F238E27FC236}">
-                <a16:creationId xmlns:a16="http://schemas.microsoft.com/office/drawing/2014/main" id="{55DDFED4-781E-9C16-ABE1-1F823FA2EE35}"/>
+                <a16:creationId xmlns:a16="http://schemas.microsoft.com/office/drawing/2014/main" xmlns="" id="{55DDFED4-781E-9C16-ABE1-1F823FA2EE35}"/>
               </a:ext>
             </a:extLst>
           </p:cNvPr>
@@ -26438,7 +25907,7 @@
           <p:cNvPr id="13" name="图片 12">
             <a:extLst>
               <a:ext uri="{FF2B5EF4-FFF2-40B4-BE49-F238E27FC236}">
-                <a16:creationId xmlns:a16="http://schemas.microsoft.com/office/drawing/2014/main" id="{1AE1DFCD-1015-3C95-9646-7FC96E54976F}"/>
+                <a16:creationId xmlns:a16="http://schemas.microsoft.com/office/drawing/2014/main" xmlns="" id="{1AE1DFCD-1015-3C95-9646-7FC96E54976F}"/>
               </a:ext>
             </a:extLst>
           </p:cNvPr>

--- a/转正答辩.pptx
+++ b/转正答辩.pptx
@@ -213,7 +213,7 @@
           <a:p>
             <a:fld id="{7AB1A718-2EF3-4FEF-9652-7CA90B1F98E5}" type="datetimeFigureOut">
               <a:rPr lang="zh-CN" altLang="en-US" smtClean="0"/>
-              <a:t>2026/1/20</a:t>
+              <a:t>2026/1/21</a:t>
             </a:fld>
             <a:endParaRPr lang="zh-CN" altLang="en-US"/>
           </a:p>
@@ -632,7 +632,7 @@
           </a:ln>
           <a:extLst>
             <a:ext uri="{91240B29-F687-4f45-9708-019B960494DF}">
-              <a14:hiddenLine xmlns:a14="http://schemas.microsoft.com/office/drawing/2010/main" xmlns="" w="9525">
+              <a14:hiddenLine xmlns="" xmlns:a14="http://schemas.microsoft.com/office/drawing/2010/main" w="9525">
                 <a:solidFill>
                   <a:srgbClr val="000000"/>
                 </a:solidFill>
@@ -756,7 +756,7 @@
           </a:ln>
           <a:extLst>
             <a:ext uri="{91240B29-F687-4f45-9708-019B960494DF}">
-              <a14:hiddenLine xmlns:a14="http://schemas.microsoft.com/office/drawing/2010/main" xmlns="" w="9525">
+              <a14:hiddenLine xmlns="" xmlns:a14="http://schemas.microsoft.com/office/drawing/2010/main" w="9525">
                 <a:solidFill>
                   <a:srgbClr val="000000"/>
                 </a:solidFill>
@@ -978,7 +978,7 @@
           <p:cNvPr id="24" name="矩形 23">
             <a:extLst>
               <a:ext uri="{FF2B5EF4-FFF2-40B4-BE49-F238E27FC236}">
-                <a16:creationId xmlns:a16="http://schemas.microsoft.com/office/drawing/2014/main" xmlns="" id="{6286DD0E-0F20-4F4E-8533-FFE05262B0DD}"/>
+                <a16:creationId xmlns="" xmlns:a16="http://schemas.microsoft.com/office/drawing/2014/main" id="{6286DD0E-0F20-4F4E-8533-FFE05262B0DD}"/>
               </a:ext>
             </a:extLst>
           </p:cNvPr>
@@ -1037,7 +1037,7 @@
           <p:cNvPr id="7" name="图片 6">
             <a:extLst>
               <a:ext uri="{FF2B5EF4-FFF2-40B4-BE49-F238E27FC236}">
-                <a16:creationId xmlns:a16="http://schemas.microsoft.com/office/drawing/2014/main" xmlns="" id="{8971FE5F-7AB6-45F2-A091-D2F0246940EE}"/>
+                <a16:creationId xmlns="" xmlns:a16="http://schemas.microsoft.com/office/drawing/2014/main" id="{8971FE5F-7AB6-45F2-A091-D2F0246940EE}"/>
               </a:ext>
             </a:extLst>
           </p:cNvPr>
@@ -1169,7 +1169,7 @@
           </a:ln>
           <a:extLst>
             <a:ext uri="{91240B29-F687-4f45-9708-019B960494DF}">
-              <a14:hiddenLine xmlns:a14="http://schemas.microsoft.com/office/drawing/2010/main" xmlns="" w="9525">
+              <a14:hiddenLine xmlns="" xmlns:a14="http://schemas.microsoft.com/office/drawing/2010/main" w="9525">
                 <a:solidFill>
                   <a:srgbClr val="000000"/>
                 </a:solidFill>
@@ -1309,7 +1309,7 @@
                   <a:spcPct val="0"/>
                 </a:spcAft>
               </a:pPr>
-              <a:t>2026/1/20</a:t>
+              <a:t>2026/1/21</a:t>
             </a:fld>
             <a:endParaRPr lang="zh-CN" altLang="en-US">
               <a:solidFill>
@@ -2842,7 +2842,7 @@
         <p:cNvPr id="1" name="">
           <a:extLst>
             <a:ext uri="{FF2B5EF4-FFF2-40B4-BE49-F238E27FC236}">
-              <a16:creationId xmlns:a16="http://schemas.microsoft.com/office/drawing/2014/main" xmlns="" id="{42857366-A2DB-824A-4A7A-8A567416A5B9}"/>
+              <a16:creationId xmlns="" xmlns:a16="http://schemas.microsoft.com/office/drawing/2014/main" id="{42857366-A2DB-824A-4A7A-8A567416A5B9}"/>
             </a:ext>
           </a:extLst>
         </p:cNvPr>
@@ -2862,7 +2862,7 @@
           <p:cNvPr id="8" name="标题 1">
             <a:extLst>
               <a:ext uri="{FF2B5EF4-FFF2-40B4-BE49-F238E27FC236}">
-                <a16:creationId xmlns:a16="http://schemas.microsoft.com/office/drawing/2014/main" xmlns="" id="{247A6696-938F-F67A-BBEE-C75173CF3637}"/>
+                <a16:creationId xmlns="" xmlns:a16="http://schemas.microsoft.com/office/drawing/2014/main" id="{247A6696-938F-F67A-BBEE-C75173CF3637}"/>
               </a:ext>
             </a:extLst>
           </p:cNvPr>
@@ -3076,7 +3076,7 @@
           <p:cNvPr id="5" name="直接连接符 4">
             <a:extLst>
               <a:ext uri="{FF2B5EF4-FFF2-40B4-BE49-F238E27FC236}">
-                <a16:creationId xmlns:a16="http://schemas.microsoft.com/office/drawing/2014/main" xmlns="" id="{0F6A4A75-C2EE-20C3-81C0-5D6D016275CF}"/>
+                <a16:creationId xmlns="" xmlns:a16="http://schemas.microsoft.com/office/drawing/2014/main" id="{0F6A4A75-C2EE-20C3-81C0-5D6D016275CF}"/>
               </a:ext>
             </a:extLst>
           </p:cNvPr>
@@ -3123,7 +3123,7 @@
           <p:cNvPr id="2" name="矩形 1">
             <a:extLst>
               <a:ext uri="{FF2B5EF4-FFF2-40B4-BE49-F238E27FC236}">
-                <a16:creationId xmlns:a16="http://schemas.microsoft.com/office/drawing/2014/main" xmlns="" id="{7A80F02A-C8A0-6123-33BC-4C338141368D}"/>
+                <a16:creationId xmlns="" xmlns:a16="http://schemas.microsoft.com/office/drawing/2014/main" id="{7A80F02A-C8A0-6123-33BC-4C338141368D}"/>
               </a:ext>
             </a:extLst>
           </p:cNvPr>
@@ -3976,7 +3976,7 @@
           <p:cNvPr id="4" name="图片 3">
             <a:extLst>
               <a:ext uri="{FF2B5EF4-FFF2-40B4-BE49-F238E27FC236}">
-                <a16:creationId xmlns:a16="http://schemas.microsoft.com/office/drawing/2014/main" xmlns="" id="{1D389CD6-E845-3DA2-3ADA-9C0BB02436A2}"/>
+                <a16:creationId xmlns="" xmlns:a16="http://schemas.microsoft.com/office/drawing/2014/main" id="{1D389CD6-E845-3DA2-3ADA-9C0BB02436A2}"/>
               </a:ext>
             </a:extLst>
           </p:cNvPr>
@@ -4006,7 +4006,7 @@
           <p:cNvPr id="6" name="文本框 5">
             <a:extLst>
               <a:ext uri="{FF2B5EF4-FFF2-40B4-BE49-F238E27FC236}">
-                <a16:creationId xmlns:a16="http://schemas.microsoft.com/office/drawing/2014/main" xmlns="" id="{2BC0A0A8-0C9C-2D51-D930-A3AB6D1663CB}"/>
+                <a16:creationId xmlns="" xmlns:a16="http://schemas.microsoft.com/office/drawing/2014/main" id="{2BC0A0A8-0C9C-2D51-D930-A3AB6D1663CB}"/>
               </a:ext>
             </a:extLst>
           </p:cNvPr>
@@ -4143,7 +4143,7 @@
         <p:cNvPr id="1" name="">
           <a:extLst>
             <a:ext uri="{FF2B5EF4-FFF2-40B4-BE49-F238E27FC236}">
-              <a16:creationId xmlns:a16="http://schemas.microsoft.com/office/drawing/2014/main" xmlns="" id="{441C1419-120D-DC1F-C21A-56303716ED90}"/>
+              <a16:creationId xmlns="" xmlns:a16="http://schemas.microsoft.com/office/drawing/2014/main" id="{441C1419-120D-DC1F-C21A-56303716ED90}"/>
             </a:ext>
           </a:extLst>
         </p:cNvPr>
@@ -4163,7 +4163,7 @@
           <p:cNvPr id="8" name="标题 1">
             <a:extLst>
               <a:ext uri="{FF2B5EF4-FFF2-40B4-BE49-F238E27FC236}">
-                <a16:creationId xmlns:a16="http://schemas.microsoft.com/office/drawing/2014/main" xmlns="" id="{BF62F1C8-BD5E-AB89-0E19-C79DD8E1455D}"/>
+                <a16:creationId xmlns="" xmlns:a16="http://schemas.microsoft.com/office/drawing/2014/main" id="{BF62F1C8-BD5E-AB89-0E19-C79DD8E1455D}"/>
               </a:ext>
             </a:extLst>
           </p:cNvPr>
@@ -5160,15 +5160,7 @@
                             <a:schemeClr val="tx1"/>
                           </a:solidFill>
                         </a:rPr>
-                        <a:t>）上电状态跳转一般是</a:t>
-                      </a:r>
-                      <a:r>
-                        <a:rPr lang="zh-CN" altLang="en-US" sz="1400" dirty="0" smtClean="0">
-                          <a:solidFill>
-                            <a:schemeClr val="tx1"/>
-                          </a:solidFill>
-                        </a:rPr>
-                        <a:t>逻辑</a:t>
+                        <a:t>）上电状态跳转一般是逻辑</a:t>
                       </a:r>
                       <a:r>
                         <a:rPr lang="en-US" altLang="zh-CN" sz="1400" dirty="0" smtClean="0">
@@ -6221,7 +6213,7 @@
           <p:cNvPr id="4" name="文本框 3">
             <a:extLst>
               <a:ext uri="{FF2B5EF4-FFF2-40B4-BE49-F238E27FC236}">
-                <a16:creationId xmlns:a16="http://schemas.microsoft.com/office/drawing/2014/main" xmlns="" id="{2BC0A0A8-0C9C-2D51-D930-A3AB6D1663CB}"/>
+                <a16:creationId xmlns="" xmlns:a16="http://schemas.microsoft.com/office/drawing/2014/main" id="{2BC0A0A8-0C9C-2D51-D930-A3AB6D1663CB}"/>
               </a:ext>
             </a:extLst>
           </p:cNvPr>
@@ -6324,7 +6316,7 @@
         <p:cNvPr id="1" name="">
           <a:extLst>
             <a:ext uri="{FF2B5EF4-FFF2-40B4-BE49-F238E27FC236}">
-              <a16:creationId xmlns:a16="http://schemas.microsoft.com/office/drawing/2014/main" xmlns="" id="{441C1419-120D-DC1F-C21A-56303716ED90}"/>
+              <a16:creationId xmlns="" xmlns:a16="http://schemas.microsoft.com/office/drawing/2014/main" id="{441C1419-120D-DC1F-C21A-56303716ED90}"/>
             </a:ext>
           </a:extLst>
         </p:cNvPr>
@@ -6344,7 +6336,7 @@
           <p:cNvPr id="8" name="标题 1">
             <a:extLst>
               <a:ext uri="{FF2B5EF4-FFF2-40B4-BE49-F238E27FC236}">
-                <a16:creationId xmlns:a16="http://schemas.microsoft.com/office/drawing/2014/main" xmlns="" id="{BF62F1C8-BD5E-AB89-0E19-C79DD8E1455D}"/>
+                <a16:creationId xmlns="" xmlns:a16="http://schemas.microsoft.com/office/drawing/2014/main" id="{BF62F1C8-BD5E-AB89-0E19-C79DD8E1455D}"/>
               </a:ext>
             </a:extLst>
           </p:cNvPr>
@@ -7988,7 +7980,7 @@
           <p:cNvPr id="4" name="文本框 3">
             <a:extLst>
               <a:ext uri="{FF2B5EF4-FFF2-40B4-BE49-F238E27FC236}">
-                <a16:creationId xmlns:a16="http://schemas.microsoft.com/office/drawing/2014/main" xmlns="" id="{2BC0A0A8-0C9C-2D51-D930-A3AB6D1663CB}"/>
+                <a16:creationId xmlns="" xmlns:a16="http://schemas.microsoft.com/office/drawing/2014/main" id="{2BC0A0A8-0C9C-2D51-D930-A3AB6D1663CB}"/>
               </a:ext>
             </a:extLst>
           </p:cNvPr>
@@ -8091,7 +8083,7 @@
         <p:cNvPr id="1" name="">
           <a:extLst>
             <a:ext uri="{FF2B5EF4-FFF2-40B4-BE49-F238E27FC236}">
-              <a16:creationId xmlns:a16="http://schemas.microsoft.com/office/drawing/2014/main" xmlns="" id="{4167FC13-AE83-0D31-8133-BF00331292B8}"/>
+              <a16:creationId xmlns="" xmlns:a16="http://schemas.microsoft.com/office/drawing/2014/main" id="{4167FC13-AE83-0D31-8133-BF00331292B8}"/>
             </a:ext>
           </a:extLst>
         </p:cNvPr>
@@ -8111,7 +8103,7 @@
           <p:cNvPr id="8" name="标题 1">
             <a:extLst>
               <a:ext uri="{FF2B5EF4-FFF2-40B4-BE49-F238E27FC236}">
-                <a16:creationId xmlns:a16="http://schemas.microsoft.com/office/drawing/2014/main" xmlns="" id="{5B6710D7-1A3C-9C49-E367-73AFDE59579D}"/>
+                <a16:creationId xmlns="" xmlns:a16="http://schemas.microsoft.com/office/drawing/2014/main" id="{5B6710D7-1A3C-9C49-E367-73AFDE59579D}"/>
               </a:ext>
             </a:extLst>
           </p:cNvPr>
@@ -9756,7 +9748,7 @@
           <p:cNvPr id="7" name="文本框 6">
             <a:extLst>
               <a:ext uri="{FF2B5EF4-FFF2-40B4-BE49-F238E27FC236}">
-                <a16:creationId xmlns:a16="http://schemas.microsoft.com/office/drawing/2014/main" xmlns="" id="{2BC0A0A8-0C9C-2D51-D930-A3AB6D1663CB}"/>
+                <a16:creationId xmlns="" xmlns:a16="http://schemas.microsoft.com/office/drawing/2014/main" id="{2BC0A0A8-0C9C-2D51-D930-A3AB6D1663CB}"/>
               </a:ext>
             </a:extLst>
           </p:cNvPr>
@@ -9862,7 +9854,7 @@
         <p:cNvPr id="1" name="">
           <a:extLst>
             <a:ext uri="{FF2B5EF4-FFF2-40B4-BE49-F238E27FC236}">
-              <a16:creationId xmlns:a16="http://schemas.microsoft.com/office/drawing/2014/main" xmlns="" id="{441C1419-120D-DC1F-C21A-56303716ED90}"/>
+              <a16:creationId xmlns="" xmlns:a16="http://schemas.microsoft.com/office/drawing/2014/main" id="{441C1419-120D-DC1F-C21A-56303716ED90}"/>
             </a:ext>
           </a:extLst>
         </p:cNvPr>
@@ -9882,7 +9874,7 @@
           <p:cNvPr id="8" name="标题 1">
             <a:extLst>
               <a:ext uri="{FF2B5EF4-FFF2-40B4-BE49-F238E27FC236}">
-                <a16:creationId xmlns:a16="http://schemas.microsoft.com/office/drawing/2014/main" xmlns="" id="{BF62F1C8-BD5E-AB89-0E19-C79DD8E1455D}"/>
+                <a16:creationId xmlns="" xmlns:a16="http://schemas.microsoft.com/office/drawing/2014/main" id="{BF62F1C8-BD5E-AB89-0E19-C79DD8E1455D}"/>
               </a:ext>
             </a:extLst>
           </p:cNvPr>
@@ -10709,7 +10701,7 @@
           <p:cNvPr id="4" name="文本框 3">
             <a:extLst>
               <a:ext uri="{FF2B5EF4-FFF2-40B4-BE49-F238E27FC236}">
-                <a16:creationId xmlns:a16="http://schemas.microsoft.com/office/drawing/2014/main" xmlns="" id="{2BC0A0A8-0C9C-2D51-D930-A3AB6D1663CB}"/>
+                <a16:creationId xmlns="" xmlns:a16="http://schemas.microsoft.com/office/drawing/2014/main" id="{2BC0A0A8-0C9C-2D51-D930-A3AB6D1663CB}"/>
               </a:ext>
             </a:extLst>
           </p:cNvPr>
@@ -11835,13 +11827,6 @@
               </a:rPr>
               <a:t>规划</a:t>
             </a:r>
-            <a:endParaRPr lang="zh-CN" altLang="en-US" sz="2400" kern="0" dirty="0">
-              <a:solidFill>
-                <a:srgbClr val="000000"/>
-              </a:solidFill>
-              <a:latin typeface="微软雅黑"/>
-              <a:ea typeface="微软雅黑"/>
-            </a:endParaRPr>
           </a:p>
         </p:txBody>
       </p:sp>
@@ -11930,14 +11915,7 @@
                 <a:latin typeface="微软雅黑" panose="020B0503020204020204" pitchFamily="34" charset="-122"/>
                 <a:ea typeface="微软雅黑" panose="020B0503020204020204" pitchFamily="34" charset="-122"/>
               </a:rPr>
-              <a:t>功能需求</a:t>
-            </a:r>
-            <a:r>
-              <a:rPr lang="zh-CN" altLang="en-US" dirty="0" smtClean="0">
-                <a:latin typeface="微软雅黑" panose="020B0503020204020204" pitchFamily="34" charset="-122"/>
-                <a:ea typeface="微软雅黑" panose="020B0503020204020204" pitchFamily="34" charset="-122"/>
-              </a:rPr>
-              <a:t>；项目紧急时优先保证电源系统稳定</a:t>
+              <a:t>功能需求；项目紧急时优先保证电源系统稳定</a:t>
             </a:r>
             <a:r>
               <a:rPr lang="zh-CN" altLang="en-US" dirty="0">
@@ -15561,7 +15539,7 @@
         <p:cNvPr id="1" name="">
           <a:extLst>
             <a:ext uri="{FF2B5EF4-FFF2-40B4-BE49-F238E27FC236}">
-              <a16:creationId xmlns:a16="http://schemas.microsoft.com/office/drawing/2014/main" xmlns="" id="{4167FC13-AE83-0D31-8133-BF00331292B8}"/>
+              <a16:creationId xmlns="" xmlns:a16="http://schemas.microsoft.com/office/drawing/2014/main" id="{4167FC13-AE83-0D31-8133-BF00331292B8}"/>
             </a:ext>
           </a:extLst>
         </p:cNvPr>
@@ -15581,7 +15559,7 @@
           <p:cNvPr id="8" name="标题 1">
             <a:extLst>
               <a:ext uri="{FF2B5EF4-FFF2-40B4-BE49-F238E27FC236}">
-                <a16:creationId xmlns:a16="http://schemas.microsoft.com/office/drawing/2014/main" xmlns="" id="{5B6710D7-1A3C-9C49-E367-73AFDE59579D}"/>
+                <a16:creationId xmlns="" xmlns:a16="http://schemas.microsoft.com/office/drawing/2014/main" id="{5B6710D7-1A3C-9C49-E367-73AFDE59579D}"/>
               </a:ext>
             </a:extLst>
           </p:cNvPr>
@@ -15766,7 +15744,7 @@
           <p:cNvPr id="3" name="图片 2" descr="图示, 示意图&#10;&#10;AI 生成的内容可能不正确。">
             <a:extLst>
               <a:ext uri="{FF2B5EF4-FFF2-40B4-BE49-F238E27FC236}">
-                <a16:creationId xmlns:a16="http://schemas.microsoft.com/office/drawing/2014/main" xmlns="" id="{071990E3-1218-34A2-BEFE-1F826A711DE7}"/>
+                <a16:creationId xmlns="" xmlns:a16="http://schemas.microsoft.com/office/drawing/2014/main" id="{071990E3-1218-34A2-BEFE-1F826A711DE7}"/>
               </a:ext>
             </a:extLst>
           </p:cNvPr>
@@ -15796,7 +15774,7 @@
           <p:cNvPr id="5" name="直接连接符 4">
             <a:extLst>
               <a:ext uri="{FF2B5EF4-FFF2-40B4-BE49-F238E27FC236}">
-                <a16:creationId xmlns:a16="http://schemas.microsoft.com/office/drawing/2014/main" xmlns="" id="{7BECF130-A785-D356-EA8A-F3280894CAC1}"/>
+                <a16:creationId xmlns="" xmlns:a16="http://schemas.microsoft.com/office/drawing/2014/main" id="{7BECF130-A785-D356-EA8A-F3280894CAC1}"/>
               </a:ext>
             </a:extLst>
           </p:cNvPr>
@@ -15843,7 +15821,7 @@
           <p:cNvPr id="10" name="矩形 9">
             <a:extLst>
               <a:ext uri="{FF2B5EF4-FFF2-40B4-BE49-F238E27FC236}">
-                <a16:creationId xmlns:a16="http://schemas.microsoft.com/office/drawing/2014/main" xmlns="" id="{50131B96-1067-AAC2-2D75-9FD20C3217AA}"/>
+                <a16:creationId xmlns="" xmlns:a16="http://schemas.microsoft.com/office/drawing/2014/main" id="{50131B96-1067-AAC2-2D75-9FD20C3217AA}"/>
               </a:ext>
             </a:extLst>
           </p:cNvPr>
@@ -17188,17 +17166,7 @@
                 <a:latin typeface="微软雅黑" panose="020B0503020204020204" pitchFamily="34" charset="-122"/>
                 <a:ea typeface="微软雅黑" panose="020B0503020204020204" pitchFamily="34" charset="-122"/>
               </a:rPr>
-              <a:t>监控</a:t>
-            </a:r>
-            <a:r>
-              <a:rPr lang="zh-CN" altLang="en-US" sz="1200" dirty="0" smtClean="0">
-                <a:solidFill>
-                  <a:prstClr val="black"/>
-                </a:solidFill>
-                <a:latin typeface="微软雅黑" panose="020B0503020204020204" pitchFamily="34" charset="-122"/>
-                <a:ea typeface="微软雅黑" panose="020B0503020204020204" pitchFamily="34" charset="-122"/>
-              </a:rPr>
-              <a:t>；（</a:t>
+              <a:t>监控；（</a:t>
             </a:r>
             <a:r>
               <a:rPr lang="en-US" altLang="zh-CN" sz="1200" dirty="0" err="1" smtClean="0">
@@ -17265,7 +17233,7 @@
           <p:cNvPr id="6" name="文本框 5">
             <a:extLst>
               <a:ext uri="{FF2B5EF4-FFF2-40B4-BE49-F238E27FC236}">
-                <a16:creationId xmlns:a16="http://schemas.microsoft.com/office/drawing/2014/main" xmlns="" id="{2BC0A0A8-0C9C-2D51-D930-A3AB6D1663CB}"/>
+                <a16:creationId xmlns="" xmlns:a16="http://schemas.microsoft.com/office/drawing/2014/main" id="{2BC0A0A8-0C9C-2D51-D930-A3AB6D1663CB}"/>
               </a:ext>
             </a:extLst>
           </p:cNvPr>
@@ -17360,7 +17328,7 @@
         <p:cNvPr id="1" name="">
           <a:extLst>
             <a:ext uri="{FF2B5EF4-FFF2-40B4-BE49-F238E27FC236}">
-              <a16:creationId xmlns:a16="http://schemas.microsoft.com/office/drawing/2014/main" xmlns="" id="{40A3AE70-9581-A6CE-FB57-D606A42AA9C4}"/>
+              <a16:creationId xmlns="" xmlns:a16="http://schemas.microsoft.com/office/drawing/2014/main" id="{40A3AE70-9581-A6CE-FB57-D606A42AA9C4}"/>
             </a:ext>
           </a:extLst>
         </p:cNvPr>
@@ -17380,7 +17348,7 @@
           <p:cNvPr id="8" name="标题 1">
             <a:extLst>
               <a:ext uri="{FF2B5EF4-FFF2-40B4-BE49-F238E27FC236}">
-                <a16:creationId xmlns:a16="http://schemas.microsoft.com/office/drawing/2014/main" xmlns="" id="{2025E29C-3DB3-4716-0C1D-D211000B0971}"/>
+                <a16:creationId xmlns="" xmlns:a16="http://schemas.microsoft.com/office/drawing/2014/main" id="{2025E29C-3DB3-4716-0C1D-D211000B0971}"/>
               </a:ext>
             </a:extLst>
           </p:cNvPr>
@@ -17560,7 +17528,7 @@
           <p:cNvPr id="11" name="文本框 10">
             <a:extLst>
               <a:ext uri="{FF2B5EF4-FFF2-40B4-BE49-F238E27FC236}">
-                <a16:creationId xmlns:a16="http://schemas.microsoft.com/office/drawing/2014/main" xmlns="" id="{2BC0A0A8-0C9C-2D51-D930-A3AB6D1663CB}"/>
+                <a16:creationId xmlns="" xmlns:a16="http://schemas.microsoft.com/office/drawing/2014/main" id="{2BC0A0A8-0C9C-2D51-D930-A3AB6D1663CB}"/>
               </a:ext>
             </a:extLst>
           </p:cNvPr>
@@ -17633,7 +17601,7 @@
           <p:cNvPr id="5" name="直接连接符 4">
             <a:extLst>
               <a:ext uri="{FF2B5EF4-FFF2-40B4-BE49-F238E27FC236}">
-                <a16:creationId xmlns:a16="http://schemas.microsoft.com/office/drawing/2014/main" xmlns="" id="{51869E89-D624-D4A4-243B-3799A8F546CB}"/>
+                <a16:creationId xmlns="" xmlns:a16="http://schemas.microsoft.com/office/drawing/2014/main" id="{51869E89-D624-D4A4-243B-3799A8F546CB}"/>
               </a:ext>
             </a:extLst>
           </p:cNvPr>
@@ -17680,7 +17648,7 @@
           <p:cNvPr id="10" name="矩形 9">
             <a:extLst>
               <a:ext uri="{FF2B5EF4-FFF2-40B4-BE49-F238E27FC236}">
-                <a16:creationId xmlns:a16="http://schemas.microsoft.com/office/drawing/2014/main" xmlns="" id="{57A52783-686B-AA09-B339-0D77F83E901E}"/>
+                <a16:creationId xmlns="" xmlns:a16="http://schemas.microsoft.com/office/drawing/2014/main" id="{57A52783-686B-AA09-B339-0D77F83E901E}"/>
               </a:ext>
             </a:extLst>
           </p:cNvPr>
@@ -18138,7 +18106,7 @@
           <p:cNvPr id="2" name="图片 1">
             <a:extLst>
               <a:ext uri="{FF2B5EF4-FFF2-40B4-BE49-F238E27FC236}">
-                <a16:creationId xmlns:a16="http://schemas.microsoft.com/office/drawing/2014/main" xmlns="" id="{95028011-DBC2-C3EA-C248-CED458F0CD95}"/>
+                <a16:creationId xmlns="" xmlns:a16="http://schemas.microsoft.com/office/drawing/2014/main" id="{95028011-DBC2-C3EA-C248-CED458F0CD95}"/>
               </a:ext>
             </a:extLst>
           </p:cNvPr>
@@ -18192,7 +18160,7 @@
         <p:cNvPr id="1" name="">
           <a:extLst>
             <a:ext uri="{FF2B5EF4-FFF2-40B4-BE49-F238E27FC236}">
-              <a16:creationId xmlns:a16="http://schemas.microsoft.com/office/drawing/2014/main" xmlns="" id="{AC470C7D-3446-8BFD-D29C-E5CB50161FF3}"/>
+              <a16:creationId xmlns="" xmlns:a16="http://schemas.microsoft.com/office/drawing/2014/main" id="{AC470C7D-3446-8BFD-D29C-E5CB50161FF3}"/>
             </a:ext>
           </a:extLst>
         </p:cNvPr>
@@ -18212,7 +18180,7 @@
           <p:cNvPr id="8" name="标题 1">
             <a:extLst>
               <a:ext uri="{FF2B5EF4-FFF2-40B4-BE49-F238E27FC236}">
-                <a16:creationId xmlns:a16="http://schemas.microsoft.com/office/drawing/2014/main" xmlns="" id="{60CB0C96-0DF0-A989-5C0A-E938908FA0B2}"/>
+                <a16:creationId xmlns="" xmlns:a16="http://schemas.microsoft.com/office/drawing/2014/main" id="{60CB0C96-0DF0-A989-5C0A-E938908FA0B2}"/>
               </a:ext>
             </a:extLst>
           </p:cNvPr>
@@ -18385,17 +18353,7 @@
                 <a:latin typeface="微软雅黑"/>
                 <a:ea typeface="微软雅黑"/>
               </a:rPr>
-              <a:t>电</a:t>
-            </a:r>
-            <a:r>
-              <a:rPr lang="zh-CN" altLang="en-US" sz="2400" dirty="0" smtClean="0">
-                <a:solidFill>
-                  <a:prstClr val="black"/>
-                </a:solidFill>
-                <a:latin typeface="微软雅黑"/>
-                <a:ea typeface="微软雅黑"/>
-              </a:rPr>
-              <a:t>方案</a:t>
+              <a:t>电方案</a:t>
             </a:r>
             <a:endParaRPr kumimoji="0" lang="zh-CN" altLang="en-US" sz="2400" b="0" i="0" u="none" strike="noStrike" kern="1200" cap="none" spc="0" normalizeH="0" baseline="0" noProof="0" dirty="0">
               <a:ln>
@@ -18419,7 +18377,7 @@
           <p:cNvPr id="5" name="直接连接符 4">
             <a:extLst>
               <a:ext uri="{FF2B5EF4-FFF2-40B4-BE49-F238E27FC236}">
-                <a16:creationId xmlns:a16="http://schemas.microsoft.com/office/drawing/2014/main" xmlns="" id="{3F612B68-85B8-D7DF-6FDF-9FA88DD78519}"/>
+                <a16:creationId xmlns="" xmlns:a16="http://schemas.microsoft.com/office/drawing/2014/main" id="{3F612B68-85B8-D7DF-6FDF-9FA88DD78519}"/>
               </a:ext>
             </a:extLst>
           </p:cNvPr>
@@ -18466,7 +18424,7 @@
           <p:cNvPr id="9" name="图片 8">
             <a:extLst>
               <a:ext uri="{FF2B5EF4-FFF2-40B4-BE49-F238E27FC236}">
-                <a16:creationId xmlns:a16="http://schemas.microsoft.com/office/drawing/2014/main" xmlns="" id="{B0EB4A4D-84ED-949C-02A8-C65834402CE1}"/>
+                <a16:creationId xmlns="" xmlns:a16="http://schemas.microsoft.com/office/drawing/2014/main" id="{B0EB4A4D-84ED-949C-02A8-C65834402CE1}"/>
               </a:ext>
             </a:extLst>
           </p:cNvPr>
@@ -18502,7 +18460,7 @@
           <p:cNvPr id="2" name="矩形 1">
             <a:extLst>
               <a:ext uri="{FF2B5EF4-FFF2-40B4-BE49-F238E27FC236}">
-                <a16:creationId xmlns:a16="http://schemas.microsoft.com/office/drawing/2014/main" xmlns="" id="{55DDFED4-781E-9C16-ABE1-1F823FA2EE35}"/>
+                <a16:creationId xmlns="" xmlns:a16="http://schemas.microsoft.com/office/drawing/2014/main" id="{55DDFED4-781E-9C16-ABE1-1F823FA2EE35}"/>
               </a:ext>
             </a:extLst>
           </p:cNvPr>
@@ -18512,7 +18470,7 @@
         <p:spPr>
           <a:xfrm>
             <a:off x="5181599" y="1050691"/>
-            <a:ext cx="6860147" cy="4833439"/>
+            <a:ext cx="6860147" cy="5888792"/>
           </a:xfrm>
           <a:prstGeom prst="rect">
             <a:avLst/>
@@ -18864,12 +18822,74 @@
             <a:r>
               <a:rPr lang="zh-CN" altLang="en-US" sz="1200" dirty="0">
                 <a:solidFill>
+                  <a:schemeClr val="bg2">
+                    <a:lumMod val="60000"/>
+                    <a:lumOff val="40000"/>
+                  </a:schemeClr>
+                </a:solidFill>
+                <a:latin typeface="微软雅黑" panose="020B0503020204020204" pitchFamily="34" charset="-122"/>
+                <a:ea typeface="微软雅黑" panose="020B0503020204020204" pitchFamily="34" charset="-122"/>
+              </a:rPr>
+              <a:t>开启</a:t>
+            </a:r>
+            <a:r>
+              <a:rPr lang="en-US" altLang="zh-CN" sz="1200" dirty="0">
+                <a:solidFill>
+                  <a:schemeClr val="bg2">
+                    <a:lumMod val="60000"/>
+                    <a:lumOff val="40000"/>
+                  </a:schemeClr>
+                </a:solidFill>
+                <a:latin typeface="微软雅黑" panose="020B0503020204020204" pitchFamily="34" charset="-122"/>
+                <a:ea typeface="微软雅黑" panose="020B0503020204020204" pitchFamily="34" charset="-122"/>
+              </a:rPr>
+              <a:t>USB</a:t>
+            </a:r>
+            <a:r>
+              <a:rPr lang="zh-CN" altLang="en-US" sz="1200" dirty="0">
+                <a:solidFill>
+                  <a:schemeClr val="bg2">
+                    <a:lumMod val="60000"/>
+                    <a:lumOff val="40000"/>
+                  </a:schemeClr>
+                </a:solidFill>
+                <a:latin typeface="微软雅黑" panose="020B0503020204020204" pitchFamily="34" charset="-122"/>
+                <a:ea typeface="微软雅黑" panose="020B0503020204020204" pitchFamily="34" charset="-122"/>
+              </a:rPr>
+              <a:t>待机电源</a:t>
+            </a:r>
+            <a:r>
+              <a:rPr lang="en-US" altLang="zh-CN" sz="1200" dirty="0">
+                <a:solidFill>
+                  <a:schemeClr val="bg2">
+                    <a:lumMod val="60000"/>
+                    <a:lumOff val="40000"/>
+                  </a:schemeClr>
+                </a:solidFill>
+                <a:latin typeface="微软雅黑" panose="020B0503020204020204" pitchFamily="34" charset="-122"/>
+                <a:ea typeface="微软雅黑" panose="020B0503020204020204" pitchFamily="34" charset="-122"/>
+              </a:rPr>
+              <a:t>(0x05) </a:t>
+            </a:r>
+            <a:r>
+              <a:rPr lang="en-US" altLang="zh-CN" sz="1200" dirty="0">
+                <a:solidFill>
                   <a:srgbClr val="00B0F0"/>
                 </a:solidFill>
                 <a:latin typeface="微软雅黑" panose="020B0503020204020204" pitchFamily="34" charset="-122"/>
                 <a:ea typeface="微软雅黑" panose="020B0503020204020204" pitchFamily="34" charset="-122"/>
               </a:rPr>
-              <a:t>开启</a:t>
+              <a:t>→ </a:t>
+            </a:r>
+            <a:r>
+              <a:rPr lang="zh-CN" altLang="en-US" sz="1200" dirty="0">
+                <a:solidFill>
+                  <a:srgbClr val="00B0F0"/>
+                </a:solidFill>
+                <a:latin typeface="微软雅黑" panose="020B0503020204020204" pitchFamily="34" charset="-122"/>
+                <a:ea typeface="微软雅黑" panose="020B0503020204020204" pitchFamily="34" charset="-122"/>
+              </a:rPr>
+              <a:t>释放南桥复位</a:t>
             </a:r>
             <a:r>
               <a:rPr lang="en-US" altLang="zh-CN" sz="1200" dirty="0">
@@ -18879,67 +18899,56 @@
                 <a:latin typeface="微软雅黑" panose="020B0503020204020204" pitchFamily="34" charset="-122"/>
                 <a:ea typeface="微软雅黑" panose="020B0503020204020204" pitchFamily="34" charset="-122"/>
               </a:rPr>
-              <a:t>USB</a:t>
+              <a:t>(0x06) → </a:t>
+            </a:r>
+            <a:r>
+              <a:rPr lang="en-US" altLang="zh-CN" sz="1200" dirty="0">
+                <a:solidFill>
+                  <a:schemeClr val="bg2">
+                    <a:lumMod val="60000"/>
+                    <a:lumOff val="40000"/>
+                  </a:schemeClr>
+                </a:solidFill>
+                <a:latin typeface="微软雅黑" panose="020B0503020204020204" pitchFamily="34" charset="-122"/>
+                <a:ea typeface="微软雅黑" panose="020B0503020204020204" pitchFamily="34" charset="-122"/>
+              </a:rPr>
+              <a:t>S5</a:t>
             </a:r>
             <a:r>
               <a:rPr lang="zh-CN" altLang="en-US" sz="1200" dirty="0">
                 <a:solidFill>
+                  <a:schemeClr val="bg2">
+                    <a:lumMod val="60000"/>
+                    <a:lumOff val="40000"/>
+                  </a:schemeClr>
+                </a:solidFill>
+                <a:latin typeface="微软雅黑" panose="020B0503020204020204" pitchFamily="34" charset="-122"/>
+                <a:ea typeface="微软雅黑" panose="020B0503020204020204" pitchFamily="34" charset="-122"/>
+              </a:rPr>
+              <a:t>设备上电</a:t>
+            </a:r>
+            <a:r>
+              <a:rPr lang="en-US" altLang="zh-CN" sz="1200" dirty="0">
+                <a:solidFill>
+                  <a:schemeClr val="bg2">
+                    <a:lumMod val="60000"/>
+                    <a:lumOff val="40000"/>
+                  </a:schemeClr>
+                </a:solidFill>
+                <a:latin typeface="微软雅黑" panose="020B0503020204020204" pitchFamily="34" charset="-122"/>
+                <a:ea typeface="微软雅黑" panose="020B0503020204020204" pitchFamily="34" charset="-122"/>
+              </a:rPr>
+              <a:t>(0x07) </a:t>
+            </a:r>
+            <a:r>
+              <a:rPr lang="en-US" altLang="zh-CN" sz="1200" dirty="0">
+                <a:solidFill>
                   <a:srgbClr val="00B0F0"/>
                 </a:solidFill>
                 <a:latin typeface="微软雅黑" panose="020B0503020204020204" pitchFamily="34" charset="-122"/>
                 <a:ea typeface="微软雅黑" panose="020B0503020204020204" pitchFamily="34" charset="-122"/>
               </a:rPr>
-              <a:t>待机电源</a:t>
-            </a:r>
-            <a:r>
-              <a:rPr lang="en-US" altLang="zh-CN" sz="1200" dirty="0">
-                <a:solidFill>
-                  <a:srgbClr val="00B0F0"/>
-                </a:solidFill>
-                <a:latin typeface="微软雅黑" panose="020B0503020204020204" pitchFamily="34" charset="-122"/>
-                <a:ea typeface="微软雅黑" panose="020B0503020204020204" pitchFamily="34" charset="-122"/>
-              </a:rPr>
-              <a:t>(0x05) → </a:t>
-            </a:r>
-            <a:r>
-              <a:rPr lang="zh-CN" altLang="en-US" sz="1200" dirty="0">
-                <a:solidFill>
-                  <a:srgbClr val="00B0F0"/>
-                </a:solidFill>
-                <a:latin typeface="微软雅黑" panose="020B0503020204020204" pitchFamily="34" charset="-122"/>
-                <a:ea typeface="微软雅黑" panose="020B0503020204020204" pitchFamily="34" charset="-122"/>
-              </a:rPr>
-              <a:t>释放南桥复位</a:t>
-            </a:r>
-            <a:r>
-              <a:rPr lang="en-US" altLang="zh-CN" sz="1200" dirty="0">
-                <a:solidFill>
-                  <a:srgbClr val="00B0F0"/>
-                </a:solidFill>
-                <a:latin typeface="微软雅黑" panose="020B0503020204020204" pitchFamily="34" charset="-122"/>
-                <a:ea typeface="微软雅黑" panose="020B0503020204020204" pitchFamily="34" charset="-122"/>
-              </a:rPr>
-              <a:t>(0x06) → S5</a:t>
-            </a:r>
-            <a:r>
-              <a:rPr lang="zh-CN" altLang="en-US" sz="1200" dirty="0">
-                <a:solidFill>
-                  <a:srgbClr val="00B0F0"/>
-                </a:solidFill>
-                <a:latin typeface="微软雅黑" panose="020B0503020204020204" pitchFamily="34" charset="-122"/>
-                <a:ea typeface="微软雅黑" panose="020B0503020204020204" pitchFamily="34" charset="-122"/>
-              </a:rPr>
-              <a:t>设备上电</a:t>
-            </a:r>
-            <a:r>
-              <a:rPr lang="en-US" altLang="zh-CN" sz="1200" dirty="0">
-                <a:solidFill>
-                  <a:srgbClr val="00B0F0"/>
-                </a:solidFill>
-                <a:latin typeface="微软雅黑" panose="020B0503020204020204" pitchFamily="34" charset="-122"/>
-                <a:ea typeface="微软雅黑" panose="020B0503020204020204" pitchFamily="34" charset="-122"/>
-              </a:rPr>
-              <a:t>(0x07) → </a:t>
+              <a:t>→ </a:t>
             </a:r>
             <a:r>
               <a:rPr lang="zh-CN" altLang="en-US" sz="1200" dirty="0">
@@ -19139,40 +19148,10 @@
                 <a:latin typeface="微软雅黑" panose="020B0503020204020204" pitchFamily="34" charset="-122"/>
                 <a:ea typeface="微软雅黑" panose="020B0503020204020204" pitchFamily="34" charset="-122"/>
               </a:rPr>
-              <a:t>(0x0A) → </a:t>
-            </a:r>
-            <a:r>
-              <a:rPr lang="en-US" altLang="zh-CN" sz="1200" dirty="0">
-                <a:solidFill>
-                  <a:srgbClr val="00B050"/>
-                </a:solidFill>
-                <a:latin typeface="微软雅黑" panose="020B0503020204020204" pitchFamily="34" charset="-122"/>
-                <a:ea typeface="微软雅黑" panose="020B0503020204020204" pitchFamily="34" charset="-122"/>
-              </a:rPr>
-              <a:t>EFUSE12V</a:t>
-            </a:r>
-            <a:r>
-              <a:rPr lang="zh-CN" altLang="en-US" sz="1200" dirty="0">
-                <a:solidFill>
-                  <a:srgbClr val="00B050"/>
-                </a:solidFill>
-                <a:latin typeface="微软雅黑" panose="020B0503020204020204" pitchFamily="34" charset="-122"/>
-                <a:ea typeface="微软雅黑" panose="020B0503020204020204" pitchFamily="34" charset="-122"/>
-              </a:rPr>
-              <a:t>电源开启</a:t>
-            </a:r>
-            <a:r>
-              <a:rPr lang="en-US" altLang="zh-CN" sz="1200" dirty="0">
-                <a:solidFill>
-                  <a:srgbClr val="00B050"/>
-                </a:solidFill>
-                <a:latin typeface="微软雅黑" panose="020B0503020204020204" pitchFamily="34" charset="-122"/>
-                <a:ea typeface="微软雅黑" panose="020B0503020204020204" pitchFamily="34" charset="-122"/>
-              </a:rPr>
-              <a:t>(0x0B) </a:t>
-            </a:r>
-            <a:r>
-              <a:rPr lang="en-US" altLang="zh-CN" sz="1200" dirty="0">
+              <a:t>(</a:t>
+            </a:r>
+            <a:r>
+              <a:rPr lang="en-US" altLang="zh-CN" sz="1200" dirty="0" smtClean="0">
                 <a:solidFill>
                   <a:schemeClr val="bg2">
                     <a:lumMod val="60000"/>
@@ -19182,10 +19161,10 @@
                 <a:latin typeface="微软雅黑" panose="020B0503020204020204" pitchFamily="34" charset="-122"/>
                 <a:ea typeface="微软雅黑" panose="020B0503020204020204" pitchFamily="34" charset="-122"/>
               </a:rPr>
-              <a:t>→ ATX</a:t>
-            </a:r>
-            <a:r>
-              <a:rPr lang="zh-CN" altLang="en-US" sz="1200" dirty="0">
+              <a:t>0x10) </a:t>
+            </a:r>
+            <a:r>
+              <a:rPr lang="en-US" altLang="zh-CN" sz="1200" dirty="0">
                 <a:solidFill>
                   <a:schemeClr val="bg2">
                     <a:lumMod val="60000"/>
@@ -19195,7 +19174,47 @@
                 <a:latin typeface="微软雅黑" panose="020B0503020204020204" pitchFamily="34" charset="-122"/>
                 <a:ea typeface="微软雅黑" panose="020B0503020204020204" pitchFamily="34" charset="-122"/>
               </a:rPr>
+              <a:t>→ </a:t>
+            </a:r>
+            <a:r>
+              <a:rPr lang="en-US" altLang="zh-CN" sz="1200" dirty="0">
+                <a:solidFill>
+                  <a:srgbClr val="00B050"/>
+                </a:solidFill>
+                <a:latin typeface="微软雅黑" panose="020B0503020204020204" pitchFamily="34" charset="-122"/>
+                <a:ea typeface="微软雅黑" panose="020B0503020204020204" pitchFamily="34" charset="-122"/>
+              </a:rPr>
+              <a:t>EFUSE12V</a:t>
+            </a:r>
+            <a:r>
+              <a:rPr lang="zh-CN" altLang="en-US" sz="1200" dirty="0">
+                <a:solidFill>
+                  <a:srgbClr val="00B050"/>
+                </a:solidFill>
+                <a:latin typeface="微软雅黑" panose="020B0503020204020204" pitchFamily="34" charset="-122"/>
+                <a:ea typeface="微软雅黑" panose="020B0503020204020204" pitchFamily="34" charset="-122"/>
+              </a:rPr>
               <a:t>电源开启</a:t>
+            </a:r>
+            <a:r>
+              <a:rPr lang="en-US" altLang="zh-CN" sz="1200" dirty="0">
+                <a:solidFill>
+                  <a:srgbClr val="00B050"/>
+                </a:solidFill>
+                <a:latin typeface="微软雅黑" panose="020B0503020204020204" pitchFamily="34" charset="-122"/>
+                <a:ea typeface="微软雅黑" panose="020B0503020204020204" pitchFamily="34" charset="-122"/>
+              </a:rPr>
+              <a:t>(</a:t>
+            </a:r>
+            <a:r>
+              <a:rPr lang="en-US" altLang="zh-CN" sz="1200" dirty="0" smtClean="0">
+                <a:solidFill>
+                  <a:srgbClr val="00B050"/>
+                </a:solidFill>
+                <a:latin typeface="微软雅黑" panose="020B0503020204020204" pitchFamily="34" charset="-122"/>
+                <a:ea typeface="微软雅黑" panose="020B0503020204020204" pitchFamily="34" charset="-122"/>
+              </a:rPr>
+              <a:t>0x11) </a:t>
             </a:r>
             <a:r>
               <a:rPr lang="en-US" altLang="zh-CN" sz="1200" dirty="0">
@@ -19208,17 +19227,66 @@
                 <a:latin typeface="微软雅黑" panose="020B0503020204020204" pitchFamily="34" charset="-122"/>
                 <a:ea typeface="微软雅黑" panose="020B0503020204020204" pitchFamily="34" charset="-122"/>
               </a:rPr>
-              <a:t>(0x0C)</a:t>
+              <a:t>→ ATX</a:t>
+            </a:r>
+            <a:r>
+              <a:rPr lang="zh-CN" altLang="en-US" sz="1200" dirty="0">
+                <a:solidFill>
+                  <a:schemeClr val="bg2">
+                    <a:lumMod val="60000"/>
+                    <a:lumOff val="40000"/>
+                  </a:schemeClr>
+                </a:solidFill>
+                <a:latin typeface="微软雅黑" panose="020B0503020204020204" pitchFamily="34" charset="-122"/>
+                <a:ea typeface="微软雅黑" panose="020B0503020204020204" pitchFamily="34" charset="-122"/>
+              </a:rPr>
+              <a:t>电源开启</a:t>
             </a:r>
             <a:r>
               <a:rPr lang="en-US" altLang="zh-CN" sz="1200" dirty="0">
                 <a:solidFill>
+                  <a:schemeClr val="bg2">
+                    <a:lumMod val="60000"/>
+                    <a:lumOff val="40000"/>
+                  </a:schemeClr>
+                </a:solidFill>
+                <a:latin typeface="微软雅黑" panose="020B0503020204020204" pitchFamily="34" charset="-122"/>
+                <a:ea typeface="微软雅黑" panose="020B0503020204020204" pitchFamily="34" charset="-122"/>
+              </a:rPr>
+              <a:t>(</a:t>
+            </a:r>
+            <a:r>
+              <a:rPr lang="en-US" altLang="zh-CN" sz="1200" dirty="0" smtClean="0">
+                <a:solidFill>
+                  <a:schemeClr val="bg2">
+                    <a:lumMod val="60000"/>
+                    <a:lumOff val="40000"/>
+                  </a:schemeClr>
+                </a:solidFill>
+                <a:latin typeface="微软雅黑" panose="020B0503020204020204" pitchFamily="34" charset="-122"/>
+                <a:ea typeface="微软雅黑" panose="020B0503020204020204" pitchFamily="34" charset="-122"/>
+              </a:rPr>
+              <a:t>0x12)</a:t>
+            </a:r>
+            <a:r>
+              <a:rPr lang="en-US" altLang="zh-CN" sz="1200" dirty="0" smtClean="0">
+                <a:solidFill>
                   <a:srgbClr val="00B050"/>
                 </a:solidFill>
                 <a:latin typeface="微软雅黑" panose="020B0503020204020204" pitchFamily="34" charset="-122"/>
                 <a:ea typeface="微软雅黑" panose="020B0503020204020204" pitchFamily="34" charset="-122"/>
               </a:rPr>
-              <a:t> → CPU1.1V</a:t>
+              <a:t> </a:t>
+            </a:r>
+            <a:r>
+              <a:rPr lang="en-US" altLang="zh-CN" sz="1200" dirty="0">
+                <a:solidFill>
+                  <a:srgbClr val="00B050"/>
+                </a:solidFill>
+                <a:latin typeface="微软雅黑" panose="020B0503020204020204" pitchFamily="34" charset="-122"/>
+                <a:ea typeface="微软雅黑" panose="020B0503020204020204" pitchFamily="34" charset="-122"/>
+              </a:rPr>
+              <a:t>→ CPU1.1V</a:t>
             </a:r>
             <a:r>
               <a:rPr lang="zh-CN" altLang="en-US" sz="1200" dirty="0">
@@ -19238,7 +19306,27 @@
                 <a:latin typeface="微软雅黑" panose="020B0503020204020204" pitchFamily="34" charset="-122"/>
                 <a:ea typeface="微软雅黑" panose="020B0503020204020204" pitchFamily="34" charset="-122"/>
               </a:rPr>
-              <a:t>(0x0D) →</a:t>
+              <a:t>(</a:t>
+            </a:r>
+            <a:r>
+              <a:rPr lang="en-US" altLang="zh-CN" sz="1200" dirty="0" smtClean="0">
+                <a:solidFill>
+                  <a:srgbClr val="00B050"/>
+                </a:solidFill>
+                <a:latin typeface="微软雅黑" panose="020B0503020204020204" pitchFamily="34" charset="-122"/>
+                <a:ea typeface="微软雅黑" panose="020B0503020204020204" pitchFamily="34" charset="-122"/>
+              </a:rPr>
+              <a:t>0x13) </a:t>
+            </a:r>
+            <a:r>
+              <a:rPr lang="en-US" altLang="zh-CN" sz="1200" dirty="0">
+                <a:solidFill>
+                  <a:srgbClr val="00B050"/>
+                </a:solidFill>
+                <a:latin typeface="微软雅黑" panose="020B0503020204020204" pitchFamily="34" charset="-122"/>
+                <a:ea typeface="微软雅黑" panose="020B0503020204020204" pitchFamily="34" charset="-122"/>
+              </a:rPr>
+              <a:t>→</a:t>
             </a:r>
           </a:p>
           <a:p>
@@ -19257,7 +19345,7 @@
             <a:r>
               <a:rPr lang="en-US" altLang="zh-CN" sz="1200" dirty="0">
                 <a:solidFill>
-                  <a:srgbClr val="00B050"/>
+                  <a:srgbClr val="92D050"/>
                 </a:solidFill>
                 <a:latin typeface="微软雅黑" panose="020B0503020204020204" pitchFamily="34" charset="-122"/>
                 <a:ea typeface="微软雅黑" panose="020B0503020204020204" pitchFamily="34" charset="-122"/>
@@ -19267,7 +19355,7 @@
             <a:r>
               <a:rPr lang="zh-CN" altLang="en-US" sz="1200" dirty="0">
                 <a:solidFill>
-                  <a:srgbClr val="00B050"/>
+                  <a:srgbClr val="92D050"/>
                 </a:solidFill>
                 <a:latin typeface="微软雅黑" panose="020B0503020204020204" pitchFamily="34" charset="-122"/>
                 <a:ea typeface="微软雅黑" panose="020B0503020204020204" pitchFamily="34" charset="-122"/>
@@ -19277,7 +19365,7 @@
             <a:r>
               <a:rPr lang="en-US" altLang="zh-CN" sz="1200" dirty="0" err="1">
                 <a:solidFill>
-                  <a:srgbClr val="00B050"/>
+                  <a:srgbClr val="92D050"/>
                 </a:solidFill>
                 <a:latin typeface="微软雅黑" panose="020B0503020204020204" pitchFamily="34" charset="-122"/>
                 <a:ea typeface="微软雅黑" panose="020B0503020204020204" pitchFamily="34" charset="-122"/>
@@ -19287,7 +19375,7 @@
             <a:r>
               <a:rPr lang="en-US" altLang="zh-CN" sz="1200" dirty="0">
                 <a:solidFill>
-                  <a:srgbClr val="00B050"/>
+                  <a:srgbClr val="92D050"/>
                 </a:solidFill>
                 <a:latin typeface="微软雅黑" panose="020B0503020204020204" pitchFamily="34" charset="-122"/>
                 <a:ea typeface="微软雅黑" panose="020B0503020204020204" pitchFamily="34" charset="-122"/>
@@ -19297,26 +19385,16 @@
             <a:r>
               <a:rPr lang="zh-CN" altLang="en-US" sz="1200" dirty="0">
                 <a:solidFill>
-                  <a:srgbClr val="00B050"/>
-                </a:solidFill>
-                <a:latin typeface="微软雅黑" panose="020B0503020204020204" pitchFamily="34" charset="-122"/>
-                <a:ea typeface="微软雅黑" panose="020B0503020204020204" pitchFamily="34" charset="-122"/>
-              </a:rPr>
-              <a:t>电源域的使能</a:t>
-            </a:r>
-            <a:r>
-              <a:rPr lang="zh-CN" altLang="en-US" sz="1200" dirty="0">
-                <a:solidFill>
-                  <a:srgbClr val="00B0F0"/>
-                </a:solidFill>
-                <a:latin typeface="微软雅黑" panose="020B0503020204020204" pitchFamily="34" charset="-122"/>
-                <a:ea typeface="微软雅黑" panose="020B0503020204020204" pitchFamily="34" charset="-122"/>
-              </a:rPr>
-              <a:t>：</a:t>
+                  <a:srgbClr val="92D050"/>
+                </a:solidFill>
+                <a:latin typeface="微软雅黑" panose="020B0503020204020204" pitchFamily="34" charset="-122"/>
+                <a:ea typeface="微软雅黑" panose="020B0503020204020204" pitchFamily="34" charset="-122"/>
+              </a:rPr>
+              <a:t>电源域的使能：</a:t>
             </a:r>
             <a:endParaRPr lang="en-US" altLang="zh-CN" sz="1200" dirty="0">
               <a:solidFill>
-                <a:srgbClr val="00B050"/>
+                <a:srgbClr val="92D050"/>
               </a:solidFill>
               <a:latin typeface="微软雅黑" panose="020B0503020204020204" pitchFamily="34" charset="-122"/>
               <a:ea typeface="微软雅黑" panose="020B0503020204020204" pitchFamily="34" charset="-122"/>
@@ -19346,6 +19424,26 @@
               <a:t> </a:t>
             </a:r>
             <a:r>
+              <a:rPr lang="en-US" altLang="zh-CN" sz="1200" dirty="0" err="1" smtClean="0">
+                <a:solidFill>
+                  <a:srgbClr val="92D050"/>
+                </a:solidFill>
+                <a:latin typeface="微软雅黑" panose="020B0503020204020204" pitchFamily="34" charset="-122"/>
+                <a:ea typeface="微软雅黑" panose="020B0503020204020204" pitchFamily="34" charset="-122"/>
+              </a:rPr>
+              <a:t>CPU_AUDIO</a:t>
+            </a:r>
+            <a:r>
+              <a:rPr lang="zh-CN" altLang="en-US" sz="1200" dirty="0">
+                <a:solidFill>
+                  <a:srgbClr val="92D050"/>
+                </a:solidFill>
+                <a:latin typeface="微软雅黑" panose="020B0503020204020204" pitchFamily="34" charset="-122"/>
+                <a:ea typeface="微软雅黑" panose="020B0503020204020204" pitchFamily="34" charset="-122"/>
+              </a:rPr>
+              <a:t>电源开启</a:t>
+            </a:r>
+            <a:r>
               <a:rPr lang="en-US" altLang="zh-CN" sz="1200" dirty="0">
                 <a:solidFill>
                   <a:srgbClr val="92D050"/>
@@ -19353,7 +19451,27 @@
                 <a:latin typeface="微软雅黑" panose="020B0503020204020204" pitchFamily="34" charset="-122"/>
                 <a:ea typeface="微软雅黑" panose="020B0503020204020204" pitchFamily="34" charset="-122"/>
               </a:rPr>
-              <a:t>CPU_IO</a:t>
+              <a:t>(</a:t>
+            </a:r>
+            <a:r>
+              <a:rPr lang="en-US" altLang="zh-CN" sz="1200" dirty="0" smtClean="0">
+                <a:solidFill>
+                  <a:srgbClr val="92D050"/>
+                </a:solidFill>
+                <a:latin typeface="微软雅黑" panose="020B0503020204020204" pitchFamily="34" charset="-122"/>
+                <a:ea typeface="微软雅黑" panose="020B0503020204020204" pitchFamily="34" charset="-122"/>
+              </a:rPr>
+              <a:t>0x14)</a:t>
+            </a:r>
+            <a:r>
+              <a:rPr lang="en-US" altLang="zh-CN" sz="1200" dirty="0">
+                <a:solidFill>
+                  <a:srgbClr val="92D050"/>
+                </a:solidFill>
+                <a:latin typeface="微软雅黑" panose="020B0503020204020204" pitchFamily="34" charset="-122"/>
+                <a:ea typeface="微软雅黑" panose="020B0503020204020204" pitchFamily="34" charset="-122"/>
+              </a:rPr>
+              <a:t>→ CPU_SOC</a:t>
             </a:r>
             <a:r>
               <a:rPr lang="zh-CN" altLang="en-US" sz="1200" dirty="0">
@@ -19373,7 +19491,27 @@
                 <a:latin typeface="微软雅黑" panose="020B0503020204020204" pitchFamily="34" charset="-122"/>
                 <a:ea typeface="微软雅黑" panose="020B0503020204020204" pitchFamily="34" charset="-122"/>
               </a:rPr>
-              <a:t>(0x0E)→ CPU_SOC</a:t>
+              <a:t>(</a:t>
+            </a:r>
+            <a:r>
+              <a:rPr lang="en-US" altLang="zh-CN" sz="1200" dirty="0" smtClean="0">
+                <a:solidFill>
+                  <a:srgbClr val="92D050"/>
+                </a:solidFill>
+                <a:latin typeface="微软雅黑" panose="020B0503020204020204" pitchFamily="34" charset="-122"/>
+                <a:ea typeface="微软雅黑" panose="020B0503020204020204" pitchFamily="34" charset="-122"/>
+              </a:rPr>
+              <a:t>0x15) </a:t>
+            </a:r>
+            <a:r>
+              <a:rPr lang="en-US" altLang="zh-CN" sz="1200" dirty="0">
+                <a:solidFill>
+                  <a:srgbClr val="92D050"/>
+                </a:solidFill>
+                <a:latin typeface="微软雅黑" panose="020B0503020204020204" pitchFamily="34" charset="-122"/>
+                <a:ea typeface="微软雅黑" panose="020B0503020204020204" pitchFamily="34" charset="-122"/>
+              </a:rPr>
+              <a:t>→ CPU_CORE0</a:t>
             </a:r>
             <a:r>
               <a:rPr lang="zh-CN" altLang="en-US" sz="1200" dirty="0">
@@ -19393,7 +19531,27 @@
                 <a:latin typeface="微软雅黑" panose="020B0503020204020204" pitchFamily="34" charset="-122"/>
                 <a:ea typeface="微软雅黑" panose="020B0503020204020204" pitchFamily="34" charset="-122"/>
               </a:rPr>
-              <a:t>(0x0F) → CPU_CORE0</a:t>
+              <a:t>(</a:t>
+            </a:r>
+            <a:r>
+              <a:rPr lang="en-US" altLang="zh-CN" sz="1200" dirty="0" smtClean="0">
+                <a:solidFill>
+                  <a:srgbClr val="92D050"/>
+                </a:solidFill>
+                <a:latin typeface="微软雅黑" panose="020B0503020204020204" pitchFamily="34" charset="-122"/>
+                <a:ea typeface="微软雅黑" panose="020B0503020204020204" pitchFamily="34" charset="-122"/>
+              </a:rPr>
+              <a:t>0x16) </a:t>
+            </a:r>
+            <a:r>
+              <a:rPr lang="en-US" altLang="zh-CN" sz="1200" dirty="0">
+                <a:solidFill>
+                  <a:srgbClr val="92D050"/>
+                </a:solidFill>
+                <a:latin typeface="微软雅黑" panose="020B0503020204020204" pitchFamily="34" charset="-122"/>
+                <a:ea typeface="微软雅黑" panose="020B0503020204020204" pitchFamily="34" charset="-122"/>
+              </a:rPr>
+              <a:t>→ CPU_CORE1</a:t>
             </a:r>
             <a:r>
               <a:rPr lang="zh-CN" altLang="en-US" sz="1200" dirty="0">
@@ -19413,7 +19571,27 @@
                 <a:latin typeface="微软雅黑" panose="020B0503020204020204" pitchFamily="34" charset="-122"/>
                 <a:ea typeface="微软雅黑" panose="020B0503020204020204" pitchFamily="34" charset="-122"/>
               </a:rPr>
-              <a:t>(0x10) → CPU_CORE1</a:t>
+              <a:t>(</a:t>
+            </a:r>
+            <a:r>
+              <a:rPr lang="en-US" altLang="zh-CN" sz="1200" dirty="0" smtClean="0">
+                <a:solidFill>
+                  <a:srgbClr val="92D050"/>
+                </a:solidFill>
+                <a:latin typeface="微软雅黑" panose="020B0503020204020204" pitchFamily="34" charset="-122"/>
+                <a:ea typeface="微软雅黑" panose="020B0503020204020204" pitchFamily="34" charset="-122"/>
+              </a:rPr>
+              <a:t>0x17) </a:t>
+            </a:r>
+            <a:r>
+              <a:rPr lang="en-US" altLang="zh-CN" sz="1200" dirty="0">
+                <a:solidFill>
+                  <a:srgbClr val="92D050"/>
+                </a:solidFill>
+                <a:latin typeface="微软雅黑" panose="020B0503020204020204" pitchFamily="34" charset="-122"/>
+                <a:ea typeface="微软雅黑" panose="020B0503020204020204" pitchFamily="34" charset="-122"/>
+              </a:rPr>
+              <a:t>→ </a:t>
             </a:r>
             <a:r>
               <a:rPr lang="zh-CN" altLang="en-US" sz="1200" dirty="0">
@@ -19423,7 +19601,7 @@
                 <a:latin typeface="微软雅黑" panose="020B0503020204020204" pitchFamily="34" charset="-122"/>
                 <a:ea typeface="微软雅黑" panose="020B0503020204020204" pitchFamily="34" charset="-122"/>
               </a:rPr>
-              <a:t>电源开启</a:t>
+              <a:t>释放</a:t>
             </a:r>
             <a:r>
               <a:rPr lang="en-US" altLang="zh-CN" sz="1200" dirty="0">
@@ -19433,7 +19611,37 @@
                 <a:latin typeface="微软雅黑" panose="020B0503020204020204" pitchFamily="34" charset="-122"/>
                 <a:ea typeface="微软雅黑" panose="020B0503020204020204" pitchFamily="34" charset="-122"/>
               </a:rPr>
-              <a:t>(0x11) → </a:t>
+              <a:t>CPU </a:t>
+            </a:r>
+            <a:r>
+              <a:rPr lang="en-US" altLang="zh-CN" sz="1200" dirty="0" err="1" smtClean="0">
+                <a:solidFill>
+                  <a:srgbClr val="92D050"/>
+                </a:solidFill>
+                <a:latin typeface="微软雅黑" panose="020B0503020204020204" pitchFamily="34" charset="-122"/>
+                <a:ea typeface="微软雅黑" panose="020B0503020204020204" pitchFamily="34" charset="-122"/>
+              </a:rPr>
+              <a:t>PWR_GOOD</a:t>
+            </a:r>
+            <a:r>
+              <a:rPr lang="en-US" altLang="zh-CN" sz="1200" dirty="0" smtClean="0">
+                <a:solidFill>
+                  <a:srgbClr val="92D050"/>
+                </a:solidFill>
+                <a:latin typeface="微软雅黑" panose="020B0503020204020204" pitchFamily="34" charset="-122"/>
+                <a:ea typeface="微软雅黑" panose="020B0503020204020204" pitchFamily="34" charset="-122"/>
+              </a:rPr>
+              <a:t>(0x18)</a:t>
+            </a:r>
+            <a:r>
+              <a:rPr lang="en-US" altLang="zh-CN" sz="1200" dirty="0">
+                <a:solidFill>
+                  <a:srgbClr val="92D050"/>
+                </a:solidFill>
+                <a:latin typeface="微软雅黑" panose="020B0503020204020204" pitchFamily="34" charset="-122"/>
+                <a:ea typeface="微软雅黑" panose="020B0503020204020204" pitchFamily="34" charset="-122"/>
+              </a:rPr>
+              <a:t>→ </a:t>
             </a:r>
             <a:r>
               <a:rPr lang="zh-CN" altLang="en-US" sz="1200" dirty="0">
@@ -19443,7 +19651,7 @@
                 <a:latin typeface="微软雅黑" panose="020B0503020204020204" pitchFamily="34" charset="-122"/>
                 <a:ea typeface="微软雅黑" panose="020B0503020204020204" pitchFamily="34" charset="-122"/>
               </a:rPr>
-              <a:t>释放</a:t>
+              <a:t>等待电源稳定</a:t>
             </a:r>
             <a:r>
               <a:rPr lang="en-US" altLang="zh-CN" sz="1200" dirty="0">
@@ -19453,17 +19661,17 @@
                 <a:latin typeface="微软雅黑" panose="020B0503020204020204" pitchFamily="34" charset="-122"/>
                 <a:ea typeface="微软雅黑" panose="020B0503020204020204" pitchFamily="34" charset="-122"/>
               </a:rPr>
-              <a:t>CPU PWR_GOOD(0x12)→ </a:t>
-            </a:r>
-            <a:r>
-              <a:rPr lang="zh-CN" altLang="en-US" sz="1200" dirty="0">
+              <a:t>(</a:t>
+            </a:r>
+            <a:r>
+              <a:rPr lang="en-US" altLang="zh-CN" sz="1200" dirty="0" smtClean="0">
                 <a:solidFill>
                   <a:srgbClr val="92D050"/>
                 </a:solidFill>
                 <a:latin typeface="微软雅黑" panose="020B0503020204020204" pitchFamily="34" charset="-122"/>
                 <a:ea typeface="微软雅黑" panose="020B0503020204020204" pitchFamily="34" charset="-122"/>
               </a:rPr>
-              <a:t>等待电源稳定</a:t>
+              <a:t>0x19) </a:t>
             </a:r>
             <a:r>
               <a:rPr lang="en-US" altLang="zh-CN" sz="1200" dirty="0">
@@ -19473,7 +19681,7 @@
                 <a:latin typeface="微软雅黑" panose="020B0503020204020204" pitchFamily="34" charset="-122"/>
                 <a:ea typeface="微软雅黑" panose="020B0503020204020204" pitchFamily="34" charset="-122"/>
               </a:rPr>
-              <a:t>(0x13) →</a:t>
+              <a:t>→</a:t>
             </a:r>
           </a:p>
           <a:p>
@@ -19543,12 +19751,62 @@
             <a:r>
               <a:rPr lang="zh-CN" altLang="en-US" sz="1200" dirty="0">
                 <a:solidFill>
+                  <a:srgbClr val="E325C3"/>
+                </a:solidFill>
+                <a:latin typeface="微软雅黑" panose="020B0503020204020204" pitchFamily="34" charset="-122"/>
+                <a:ea typeface="微软雅黑" panose="020B0503020204020204" pitchFamily="34" charset="-122"/>
+              </a:rPr>
+              <a:t>系统稳定运行</a:t>
+            </a:r>
+            <a:r>
+              <a:rPr lang="en-US" altLang="zh-CN" sz="1200" dirty="0">
+                <a:solidFill>
+                  <a:srgbClr val="E325C3"/>
+                </a:solidFill>
+                <a:latin typeface="微软雅黑" panose="020B0503020204020204" pitchFamily="34" charset="-122"/>
+                <a:ea typeface="微软雅黑" panose="020B0503020204020204" pitchFamily="34" charset="-122"/>
+              </a:rPr>
+              <a:t>(0x20</a:t>
+            </a:r>
+            <a:r>
+              <a:rPr lang="zh-CN" altLang="en-US" sz="1200" dirty="0">
+                <a:solidFill>
+                  <a:srgbClr val="E325C3"/>
+                </a:solidFill>
+                <a:latin typeface="微软雅黑" panose="020B0503020204020204" pitchFamily="34" charset="-122"/>
+                <a:ea typeface="微软雅黑" panose="020B0503020204020204" pitchFamily="34" charset="-122"/>
+              </a:rPr>
+              <a:t>，</a:t>
+            </a:r>
+            <a:r>
+              <a:rPr lang="en-US" altLang="zh-CN" sz="1200" dirty="0">
+                <a:solidFill>
+                  <a:srgbClr val="E325C3"/>
+                </a:solidFill>
+                <a:latin typeface="微软雅黑" panose="020B0503020204020204" pitchFamily="34" charset="-122"/>
+                <a:ea typeface="微软雅黑" panose="020B0503020204020204" pitchFamily="34" charset="-122"/>
+              </a:rPr>
+              <a:t>SM_STEADY_PWROK) </a:t>
+            </a:r>
+            <a:r>
+              <a:rPr lang="en-US" altLang="zh-CN" sz="1200" dirty="0">
+                <a:solidFill>
                   <a:srgbClr val="FFC000"/>
                 </a:solidFill>
                 <a:latin typeface="微软雅黑" panose="020B0503020204020204" pitchFamily="34" charset="-122"/>
                 <a:ea typeface="微软雅黑" panose="020B0503020204020204" pitchFamily="34" charset="-122"/>
               </a:rPr>
-              <a:t>系统稳定运行</a:t>
+              <a:t>→</a:t>
+            </a:r>
+            <a:r>
+              <a:rPr lang="zh-CN" altLang="en-US" sz="1200" dirty="0">
+                <a:solidFill>
+                  <a:srgbClr val="FFC000"/>
+                </a:solidFill>
+                <a:latin typeface="微软雅黑" panose="020B0503020204020204" pitchFamily="34" charset="-122"/>
+                <a:ea typeface="微软雅黑" panose="020B0503020204020204" pitchFamily="34" charset="-122"/>
+              </a:rPr>
+              <a:t>关闭</a:t>
             </a:r>
             <a:r>
               <a:rPr lang="en-US" altLang="zh-CN" sz="1200" dirty="0">
@@ -19558,7 +19816,7 @@
                 <a:latin typeface="微软雅黑" panose="020B0503020204020204" pitchFamily="34" charset="-122"/>
                 <a:ea typeface="微软雅黑" panose="020B0503020204020204" pitchFamily="34" charset="-122"/>
               </a:rPr>
-              <a:t>(0x20</a:t>
+              <a:t>CPU PWR_GOOD(0x21) → </a:t>
             </a:r>
             <a:r>
               <a:rPr lang="zh-CN" altLang="en-US" sz="1200" dirty="0">
@@ -19568,7 +19826,7 @@
                 <a:latin typeface="微软雅黑" panose="020B0503020204020204" pitchFamily="34" charset="-122"/>
                 <a:ea typeface="微软雅黑" panose="020B0503020204020204" pitchFamily="34" charset="-122"/>
               </a:rPr>
-              <a:t>，</a:t>
+              <a:t>关闭</a:t>
             </a:r>
             <a:r>
               <a:rPr lang="en-US" altLang="zh-CN" sz="1200" dirty="0">
@@ -19578,7 +19836,7 @@
                 <a:latin typeface="微软雅黑" panose="020B0503020204020204" pitchFamily="34" charset="-122"/>
                 <a:ea typeface="微软雅黑" panose="020B0503020204020204" pitchFamily="34" charset="-122"/>
               </a:rPr>
-              <a:t>SM_STEADY_PWROK) →</a:t>
+              <a:t>CPU_CORE1</a:t>
             </a:r>
             <a:r>
               <a:rPr lang="zh-CN" altLang="en-US" sz="1200" dirty="0">
@@ -19588,6 +19846,26 @@
                 <a:latin typeface="微软雅黑" panose="020B0503020204020204" pitchFamily="34" charset="-122"/>
                 <a:ea typeface="微软雅黑" panose="020B0503020204020204" pitchFamily="34" charset="-122"/>
               </a:rPr>
+              <a:t>电源</a:t>
+            </a:r>
+            <a:r>
+              <a:rPr lang="en-US" altLang="zh-CN" sz="1200" dirty="0">
+                <a:solidFill>
+                  <a:srgbClr val="FFC000"/>
+                </a:solidFill>
+                <a:latin typeface="微软雅黑" panose="020B0503020204020204" pitchFamily="34" charset="-122"/>
+                <a:ea typeface="微软雅黑" panose="020B0503020204020204" pitchFamily="34" charset="-122"/>
+              </a:rPr>
+              <a:t>(0x22) → </a:t>
+            </a:r>
+            <a:r>
+              <a:rPr lang="zh-CN" altLang="en-US" sz="1200" dirty="0">
+                <a:solidFill>
+                  <a:srgbClr val="FFC000"/>
+                </a:solidFill>
+                <a:latin typeface="微软雅黑" panose="020B0503020204020204" pitchFamily="34" charset="-122"/>
+                <a:ea typeface="微软雅黑" panose="020B0503020204020204" pitchFamily="34" charset="-122"/>
+              </a:rPr>
               <a:t>关闭</a:t>
             </a:r>
             <a:r>
@@ -19598,7 +19876,7 @@
                 <a:latin typeface="微软雅黑" panose="020B0503020204020204" pitchFamily="34" charset="-122"/>
                 <a:ea typeface="微软雅黑" panose="020B0503020204020204" pitchFamily="34" charset="-122"/>
               </a:rPr>
-              <a:t>CPU PWR_GOOD(0x21) → </a:t>
+              <a:t>CPU_CORE0</a:t>
             </a:r>
             <a:r>
               <a:rPr lang="zh-CN" altLang="en-US" sz="1200" dirty="0">
@@ -19608,6 +19886,26 @@
                 <a:latin typeface="微软雅黑" panose="020B0503020204020204" pitchFamily="34" charset="-122"/>
                 <a:ea typeface="微软雅黑" panose="020B0503020204020204" pitchFamily="34" charset="-122"/>
               </a:rPr>
+              <a:t>电源</a:t>
+            </a:r>
+            <a:r>
+              <a:rPr lang="en-US" altLang="zh-CN" sz="1200" dirty="0">
+                <a:solidFill>
+                  <a:srgbClr val="FFC000"/>
+                </a:solidFill>
+                <a:latin typeface="微软雅黑" panose="020B0503020204020204" pitchFamily="34" charset="-122"/>
+                <a:ea typeface="微软雅黑" panose="020B0503020204020204" pitchFamily="34" charset="-122"/>
+              </a:rPr>
+              <a:t>(0x23)→ </a:t>
+            </a:r>
+            <a:r>
+              <a:rPr lang="zh-CN" altLang="en-US" sz="1200" dirty="0">
+                <a:solidFill>
+                  <a:srgbClr val="FFC000"/>
+                </a:solidFill>
+                <a:latin typeface="微软雅黑" panose="020B0503020204020204" pitchFamily="34" charset="-122"/>
+                <a:ea typeface="微软雅黑" panose="020B0503020204020204" pitchFamily="34" charset="-122"/>
+              </a:rPr>
               <a:t>关闭</a:t>
             </a:r>
             <a:r>
@@ -19618,7 +19916,7 @@
                 <a:latin typeface="微软雅黑" panose="020B0503020204020204" pitchFamily="34" charset="-122"/>
                 <a:ea typeface="微软雅黑" panose="020B0503020204020204" pitchFamily="34" charset="-122"/>
               </a:rPr>
-              <a:t>CPU_CORE1</a:t>
+              <a:t>CPU_SOC</a:t>
             </a:r>
             <a:r>
               <a:rPr lang="zh-CN" altLang="en-US" sz="1200" dirty="0">
@@ -19638,7 +19936,7 @@
                 <a:latin typeface="微软雅黑" panose="020B0503020204020204" pitchFamily="34" charset="-122"/>
                 <a:ea typeface="微软雅黑" panose="020B0503020204020204" pitchFamily="34" charset="-122"/>
               </a:rPr>
-              <a:t>(0x22) → </a:t>
+              <a:t>(0x24) → </a:t>
             </a:r>
             <a:r>
               <a:rPr lang="zh-CN" altLang="en-US" sz="1200" dirty="0">
@@ -19658,7 +19956,7 @@
                 <a:latin typeface="微软雅黑" panose="020B0503020204020204" pitchFamily="34" charset="-122"/>
                 <a:ea typeface="微软雅黑" panose="020B0503020204020204" pitchFamily="34" charset="-122"/>
               </a:rPr>
-              <a:t>CPU_CORE0</a:t>
+              <a:t>CPU_IO</a:t>
             </a:r>
             <a:r>
               <a:rPr lang="zh-CN" altLang="en-US" sz="1200" dirty="0">
@@ -19678,7 +19976,7 @@
                 <a:latin typeface="微软雅黑" panose="020B0503020204020204" pitchFamily="34" charset="-122"/>
                 <a:ea typeface="微软雅黑" panose="020B0503020204020204" pitchFamily="34" charset="-122"/>
               </a:rPr>
-              <a:t>(0x23)→ </a:t>
+              <a:t>(0x25) → </a:t>
             </a:r>
             <a:r>
               <a:rPr lang="zh-CN" altLang="en-US" sz="1200" dirty="0">
@@ -19698,7 +19996,7 @@
                 <a:latin typeface="微软雅黑" panose="020B0503020204020204" pitchFamily="34" charset="-122"/>
                 <a:ea typeface="微软雅黑" panose="020B0503020204020204" pitchFamily="34" charset="-122"/>
               </a:rPr>
-              <a:t>CPU_SOC</a:t>
+              <a:t>CPU_VDD_1.1V</a:t>
             </a:r>
             <a:r>
               <a:rPr lang="zh-CN" altLang="en-US" sz="1200" dirty="0">
@@ -19718,90 +20016,108 @@
                 <a:latin typeface="微软雅黑" panose="020B0503020204020204" pitchFamily="34" charset="-122"/>
                 <a:ea typeface="微软雅黑" panose="020B0503020204020204" pitchFamily="34" charset="-122"/>
               </a:rPr>
-              <a:t>(0x24) → </a:t>
+              <a:t>(0x26) </a:t>
+            </a:r>
+            <a:r>
+              <a:rPr lang="en-US" altLang="zh-CN" sz="1200" dirty="0" smtClean="0">
+                <a:solidFill>
+                  <a:srgbClr val="FFC000"/>
+                </a:solidFill>
+                <a:latin typeface="微软雅黑" panose="020B0503020204020204" pitchFamily="34" charset="-122"/>
+                <a:ea typeface="微软雅黑" panose="020B0503020204020204" pitchFamily="34" charset="-122"/>
+              </a:rPr>
+              <a:t>→</a:t>
+            </a:r>
+            <a:r>
+              <a:rPr lang="en-US" altLang="zh-CN" sz="1200" dirty="0" smtClean="0">
+                <a:solidFill>
+                  <a:schemeClr val="bg2">
+                    <a:lumMod val="60000"/>
+                    <a:lumOff val="40000"/>
+                  </a:schemeClr>
+                </a:solidFill>
+                <a:latin typeface="微软雅黑" panose="020B0503020204020204" pitchFamily="34" charset="-122"/>
+                <a:ea typeface="微软雅黑" panose="020B0503020204020204" pitchFamily="34" charset="-122"/>
+              </a:rPr>
+              <a:t> </a:t>
+            </a:r>
+            <a:r>
+              <a:rPr lang="zh-CN" altLang="en-US" sz="1200" dirty="0" smtClean="0">
+                <a:solidFill>
+                  <a:schemeClr val="bg2">
+                    <a:lumMod val="60000"/>
+                    <a:lumOff val="40000"/>
+                  </a:schemeClr>
+                </a:solidFill>
+                <a:latin typeface="微软雅黑" panose="020B0503020204020204" pitchFamily="34" charset="-122"/>
+                <a:ea typeface="微软雅黑" panose="020B0503020204020204" pitchFamily="34" charset="-122"/>
+              </a:rPr>
+              <a:t>关闭</a:t>
+            </a:r>
+            <a:r>
+              <a:rPr lang="en-US" altLang="zh-CN" sz="1200" dirty="0" err="1" smtClean="0">
+                <a:solidFill>
+                  <a:schemeClr val="bg2">
+                    <a:lumMod val="60000"/>
+                    <a:lumOff val="40000"/>
+                  </a:schemeClr>
+                </a:solidFill>
+                <a:latin typeface="微软雅黑" panose="020B0503020204020204" pitchFamily="34" charset="-122"/>
+                <a:ea typeface="微软雅黑" panose="020B0503020204020204" pitchFamily="34" charset="-122"/>
+              </a:rPr>
+              <a:t>ATX</a:t>
             </a:r>
             <a:r>
               <a:rPr lang="zh-CN" altLang="en-US" sz="1200" dirty="0">
                 <a:solidFill>
+                  <a:schemeClr val="bg2">
+                    <a:lumMod val="60000"/>
+                    <a:lumOff val="40000"/>
+                  </a:schemeClr>
+                </a:solidFill>
+                <a:latin typeface="微软雅黑" panose="020B0503020204020204" pitchFamily="34" charset="-122"/>
+                <a:ea typeface="微软雅黑" panose="020B0503020204020204" pitchFamily="34" charset="-122"/>
+              </a:rPr>
+              <a:t>电源开启</a:t>
+            </a:r>
+            <a:r>
+              <a:rPr lang="en-US" altLang="zh-CN" sz="1200" dirty="0">
+                <a:solidFill>
+                  <a:schemeClr val="bg2">
+                    <a:lumMod val="60000"/>
+                    <a:lumOff val="40000"/>
+                  </a:schemeClr>
+                </a:solidFill>
+                <a:latin typeface="微软雅黑" panose="020B0503020204020204" pitchFamily="34" charset="-122"/>
+                <a:ea typeface="微软雅黑" panose="020B0503020204020204" pitchFamily="34" charset="-122"/>
+              </a:rPr>
+              <a:t>(</a:t>
+            </a:r>
+            <a:r>
+              <a:rPr lang="en-US" altLang="zh-CN" sz="1200" dirty="0" smtClean="0">
+                <a:solidFill>
+                  <a:schemeClr val="bg2">
+                    <a:lumMod val="60000"/>
+                    <a:lumOff val="40000"/>
+                  </a:schemeClr>
+                </a:solidFill>
+                <a:latin typeface="微软雅黑" panose="020B0503020204020204" pitchFamily="34" charset="-122"/>
+                <a:ea typeface="微软雅黑" panose="020B0503020204020204" pitchFamily="34" charset="-122"/>
+              </a:rPr>
+              <a:t>0x27)</a:t>
+            </a:r>
+            <a:r>
+              <a:rPr lang="en-US" altLang="zh-CN" sz="1200" dirty="0">
+                <a:solidFill>
                   <a:srgbClr val="FFC000"/>
                 </a:solidFill>
                 <a:latin typeface="微软雅黑" panose="020B0503020204020204" pitchFamily="34" charset="-122"/>
                 <a:ea typeface="微软雅黑" panose="020B0503020204020204" pitchFamily="34" charset="-122"/>
               </a:rPr>
-              <a:t>关闭</a:t>
-            </a:r>
-            <a:r>
-              <a:rPr lang="en-US" altLang="zh-CN" sz="1200" dirty="0">
-                <a:solidFill>
-                  <a:srgbClr val="FFC000"/>
-                </a:solidFill>
-                <a:latin typeface="微软雅黑" panose="020B0503020204020204" pitchFamily="34" charset="-122"/>
-                <a:ea typeface="微软雅黑" panose="020B0503020204020204" pitchFamily="34" charset="-122"/>
-              </a:rPr>
-              <a:t>CPU_IO</a:t>
-            </a:r>
-            <a:r>
-              <a:rPr lang="zh-CN" altLang="en-US" sz="1200" dirty="0">
-                <a:solidFill>
-                  <a:srgbClr val="FFC000"/>
-                </a:solidFill>
-                <a:latin typeface="微软雅黑" panose="020B0503020204020204" pitchFamily="34" charset="-122"/>
-                <a:ea typeface="微软雅黑" panose="020B0503020204020204" pitchFamily="34" charset="-122"/>
-              </a:rPr>
-              <a:t>电源</a:t>
-            </a:r>
-            <a:r>
-              <a:rPr lang="en-US" altLang="zh-CN" sz="1200" dirty="0">
-                <a:solidFill>
-                  <a:srgbClr val="FFC000"/>
-                </a:solidFill>
-                <a:latin typeface="微软雅黑" panose="020B0503020204020204" pitchFamily="34" charset="-122"/>
-                <a:ea typeface="微软雅黑" panose="020B0503020204020204" pitchFamily="34" charset="-122"/>
-              </a:rPr>
-              <a:t>(0x25) → </a:t>
-            </a:r>
-            <a:r>
-              <a:rPr lang="zh-CN" altLang="en-US" sz="1200" dirty="0">
-                <a:solidFill>
-                  <a:srgbClr val="FFC000"/>
-                </a:solidFill>
-                <a:latin typeface="微软雅黑" panose="020B0503020204020204" pitchFamily="34" charset="-122"/>
-                <a:ea typeface="微软雅黑" panose="020B0503020204020204" pitchFamily="34" charset="-122"/>
-              </a:rPr>
-              <a:t>关闭</a:t>
-            </a:r>
-            <a:r>
-              <a:rPr lang="en-US" altLang="zh-CN" sz="1200" dirty="0">
-                <a:solidFill>
-                  <a:srgbClr val="FFC000"/>
-                </a:solidFill>
-                <a:latin typeface="微软雅黑" panose="020B0503020204020204" pitchFamily="34" charset="-122"/>
-                <a:ea typeface="微软雅黑" panose="020B0503020204020204" pitchFamily="34" charset="-122"/>
-              </a:rPr>
-              <a:t>CPU_VDD_1.1V</a:t>
-            </a:r>
-            <a:r>
-              <a:rPr lang="zh-CN" altLang="en-US" sz="1200" dirty="0">
-                <a:solidFill>
-                  <a:srgbClr val="FFC000"/>
-                </a:solidFill>
-                <a:latin typeface="微软雅黑" panose="020B0503020204020204" pitchFamily="34" charset="-122"/>
-                <a:ea typeface="微软雅黑" panose="020B0503020204020204" pitchFamily="34" charset="-122"/>
-              </a:rPr>
-              <a:t>电源</a:t>
-            </a:r>
-            <a:r>
-              <a:rPr lang="en-US" altLang="zh-CN" sz="1200" dirty="0">
-                <a:solidFill>
-                  <a:srgbClr val="FFC000"/>
-                </a:solidFill>
-                <a:latin typeface="微软雅黑" panose="020B0503020204020204" pitchFamily="34" charset="-122"/>
-                <a:ea typeface="微软雅黑" panose="020B0503020204020204" pitchFamily="34" charset="-122"/>
-              </a:rPr>
-              <a:t>(0x26) → </a:t>
-            </a:r>
-            <a:r>
-              <a:rPr lang="zh-CN" altLang="en-US" sz="1200" dirty="0">
+              <a:t> →</a:t>
+            </a:r>
+            <a:r>
+              <a:rPr lang="zh-CN" altLang="en-US" sz="1200" dirty="0" smtClean="0">
                 <a:solidFill>
                   <a:srgbClr val="FFC000"/>
                 </a:solidFill>
@@ -19929,7 +20245,7 @@
           <p:cNvPr id="13" name="图片 12">
             <a:extLst>
               <a:ext uri="{FF2B5EF4-FFF2-40B4-BE49-F238E27FC236}">
-                <a16:creationId xmlns:a16="http://schemas.microsoft.com/office/drawing/2014/main" xmlns="" id="{1AE1DFCD-1015-3C95-9646-7FC96E54976F}"/>
+                <a16:creationId xmlns="" xmlns:a16="http://schemas.microsoft.com/office/drawing/2014/main" id="{1AE1DFCD-1015-3C95-9646-7FC96E54976F}"/>
               </a:ext>
             </a:extLst>
           </p:cNvPr>
@@ -19959,7 +20275,7 @@
           <p:cNvPr id="7" name="文本框 6">
             <a:extLst>
               <a:ext uri="{FF2B5EF4-FFF2-40B4-BE49-F238E27FC236}">
-                <a16:creationId xmlns:a16="http://schemas.microsoft.com/office/drawing/2014/main" xmlns="" id="{2BC0A0A8-0C9C-2D51-D930-A3AB6D1663CB}"/>
+                <a16:creationId xmlns="" xmlns:a16="http://schemas.microsoft.com/office/drawing/2014/main" id="{2BC0A0A8-0C9C-2D51-D930-A3AB6D1663CB}"/>
               </a:ext>
             </a:extLst>
           </p:cNvPr>
@@ -20045,27 +20361,7 @@
                 <a:latin typeface="微软雅黑" panose="020B0503020204020204" pitchFamily="34" charset="-122"/>
                 <a:ea typeface="微软雅黑" panose="020B0503020204020204" pitchFamily="34" charset="-122"/>
               </a:rPr>
-              <a:t>电源上下</a:t>
-            </a:r>
-            <a:r>
-              <a:rPr lang="zh-CN" altLang="en-US" sz="1600" b="1" dirty="0">
-                <a:solidFill>
-                  <a:prstClr val="black"/>
-                </a:solidFill>
-                <a:latin typeface="微软雅黑" panose="020B0503020204020204" pitchFamily="34" charset="-122"/>
-                <a:ea typeface="微软雅黑" panose="020B0503020204020204" pitchFamily="34" charset="-122"/>
-              </a:rPr>
-              <a:t>电</a:t>
-            </a:r>
-            <a:r>
-              <a:rPr lang="zh-CN" altLang="en-US" sz="1600" b="1" dirty="0">
-                <a:solidFill>
-                  <a:prstClr val="black"/>
-                </a:solidFill>
-                <a:latin typeface="微软雅黑" panose="020B0503020204020204" pitchFamily="34" charset="-122"/>
-                <a:ea typeface="微软雅黑" panose="020B0503020204020204" pitchFamily="34" charset="-122"/>
-              </a:rPr>
-              <a:t>（集总）</a:t>
+              <a:t>电源上下电（集总）</a:t>
             </a:r>
             <a:endParaRPr lang="en-US" altLang="zh-CN" sz="1600" b="1" dirty="0">
               <a:solidFill>
